--- a/src/main/resources/Кирильчика Алексея.pptx
+++ b/src/main/resources/Кирильчика Алексея.pptx
@@ -6,11 +6,13 @@
   </p:sldMasterIdLst>
   <p:sldIdLst>
     <p:sldId id="256" r:id="rId2"/>
-    <p:sldId id="257" r:id="rId3"/>
-    <p:sldId id="258" r:id="rId4"/>
-    <p:sldId id="259" r:id="rId5"/>
-    <p:sldId id="260" r:id="rId6"/>
-    <p:sldId id="261" r:id="rId7"/>
+    <p:sldId id="262" r:id="rId3"/>
+    <p:sldId id="263" r:id="rId4"/>
+    <p:sldId id="258" r:id="rId5"/>
+    <p:sldId id="257" r:id="rId6"/>
+    <p:sldId id="259" r:id="rId7"/>
+    <p:sldId id="260" r:id="rId8"/>
+    <p:sldId id="261" r:id="rId9"/>
   </p:sldIdLst>
   <p:sldSz cx="12192000" cy="6858000"/>
   <p:notesSz cx="6858000" cy="9144000"/>
@@ -109,6 +111,11 @@
       </a:defRPr>
     </a:lvl9pPr>
   </p:defaultTextStyle>
+  <p:extLst>
+    <p:ext uri="{EFAFB233-063F-42B5-8137-9DF3F51BA10A}">
+      <p15:sldGuideLst xmlns:p15="http://schemas.microsoft.com/office/powerpoint/2012/main"/>
+    </p:ext>
+  </p:extLst>
 </p:presentation>
 </file>
 
@@ -3312,6 +3319,40 @@
 <file path=ppt/slides/slide1.xml><?xml version="1.0" encoding="utf-8"?>
 <p:sld xmlns:a="http://schemas.openxmlformats.org/drawingml/2006/main" xmlns:r="http://schemas.openxmlformats.org/officeDocument/2006/relationships" xmlns:p="http://schemas.openxmlformats.org/presentationml/2006/main">
   <p:cSld>
+    <p:bg>
+      <p:bgPr>
+        <a:gradFill>
+          <a:gsLst>
+            <a:gs pos="0">
+              <a:schemeClr val="accent1">
+                <a:lumMod val="5000"/>
+                <a:lumOff val="95000"/>
+              </a:schemeClr>
+            </a:gs>
+            <a:gs pos="74000">
+              <a:schemeClr val="accent1">
+                <a:lumMod val="45000"/>
+                <a:lumOff val="55000"/>
+              </a:schemeClr>
+            </a:gs>
+            <a:gs pos="83000">
+              <a:schemeClr val="accent1">
+                <a:lumMod val="45000"/>
+                <a:lumOff val="55000"/>
+              </a:schemeClr>
+            </a:gs>
+            <a:gs pos="100000">
+              <a:schemeClr val="accent1">
+                <a:lumMod val="30000"/>
+                <a:lumOff val="70000"/>
+              </a:schemeClr>
+            </a:gs>
+          </a:gsLst>
+          <a:lin ang="5400000" scaled="1"/>
+        </a:gradFill>
+        <a:effectLst/>
+      </p:bgPr>
+    </p:bg>
     <p:spTree>
       <p:nvGrpSpPr>
         <p:cNvPr id="1" name=""/>
@@ -3461,6 +3502,40 @@
 <file path=ppt/slides/slide2.xml><?xml version="1.0" encoding="utf-8"?>
 <p:sld xmlns:a="http://schemas.openxmlformats.org/drawingml/2006/main" xmlns:r="http://schemas.openxmlformats.org/officeDocument/2006/relationships" xmlns:p="http://schemas.openxmlformats.org/presentationml/2006/main">
   <p:cSld>
+    <p:bg>
+      <p:bgPr>
+        <a:gradFill>
+          <a:gsLst>
+            <a:gs pos="0">
+              <a:schemeClr val="accent1">
+                <a:lumMod val="5000"/>
+                <a:lumOff val="95000"/>
+              </a:schemeClr>
+            </a:gs>
+            <a:gs pos="74000">
+              <a:schemeClr val="accent1">
+                <a:lumMod val="45000"/>
+                <a:lumOff val="55000"/>
+              </a:schemeClr>
+            </a:gs>
+            <a:gs pos="83000">
+              <a:schemeClr val="accent1">
+                <a:lumMod val="45000"/>
+                <a:lumOff val="55000"/>
+              </a:schemeClr>
+            </a:gs>
+            <a:gs pos="100000">
+              <a:schemeClr val="accent1">
+                <a:lumMod val="30000"/>
+                <a:lumOff val="70000"/>
+              </a:schemeClr>
+            </a:gs>
+          </a:gsLst>
+          <a:lin ang="5400000" scaled="1"/>
+        </a:gradFill>
+        <a:effectLst/>
+      </p:bgPr>
+    </p:bg>
     <p:spTree>
       <p:nvGrpSpPr>
         <p:cNvPr id="1" name=""/>
@@ -3480,6 +3555,966 @@
           <p:cNvPr id="2" name="Заголовок 1">
             <a:extLst>
               <a:ext uri="{FF2B5EF4-FFF2-40B4-BE49-F238E27FC236}">
+                <a16:creationId xmlns:a16="http://schemas.microsoft.com/office/drawing/2014/main" id="{9F0D2738-52AA-43E1-85D9-9E3ACCFDA6EE}"/>
+              </a:ext>
+            </a:extLst>
+          </p:cNvPr>
+          <p:cNvSpPr>
+            <a:spLocks noGrp="1"/>
+          </p:cNvSpPr>
+          <p:nvPr>
+            <p:ph type="title"/>
+          </p:nvPr>
+        </p:nvSpPr>
+        <p:spPr/>
+        <p:txBody>
+          <a:bodyPr/>
+          <a:lstStyle/>
+          <a:p>
+            <a:r>
+              <a:rPr lang="ru-RU" dirty="0"/>
+              <a:t>                                     ГЕРБ</a:t>
+            </a:r>
+          </a:p>
+        </p:txBody>
+      </p:sp>
+      <p:sp>
+        <p:nvSpPr>
+          <p:cNvPr id="3" name="Объект 2">
+            <a:extLst>
+              <a:ext uri="{FF2B5EF4-FFF2-40B4-BE49-F238E27FC236}">
+                <a16:creationId xmlns:a16="http://schemas.microsoft.com/office/drawing/2014/main" id="{4AF19386-9F86-4ACC-A27B-FE5E65C7FCE1}"/>
+              </a:ext>
+            </a:extLst>
+          </p:cNvPr>
+          <p:cNvSpPr>
+            <a:spLocks noGrp="1"/>
+          </p:cNvSpPr>
+          <p:nvPr>
+            <p:ph idx="1"/>
+          </p:nvPr>
+        </p:nvSpPr>
+        <p:spPr/>
+        <p:txBody>
+          <a:bodyPr/>
+          <a:lstStyle/>
+          <a:p>
+            <a:r>
+              <a:rPr lang="ru-RU" dirty="0"/>
+              <a:t>ГЕРБ КРАСНОЯРСКОГО КРАЯ                 ФЛАГ  КРАСНОЯРСККОГО края</a:t>
+            </a:r>
+          </a:p>
+        </p:txBody>
+      </p:sp>
+      <p:pic>
+        <p:nvPicPr>
+          <p:cNvPr id="1026" name="Picture 2" descr="Герб Красноярского края — Википедия">
+            <a:extLst>
+              <a:ext uri="{FF2B5EF4-FFF2-40B4-BE49-F238E27FC236}">
+                <a16:creationId xmlns:a16="http://schemas.microsoft.com/office/drawing/2014/main" id="{889CA5AF-ACA1-4ED3-B614-3EC14478B834}"/>
+              </a:ext>
+            </a:extLst>
+          </p:cNvPr>
+          <p:cNvPicPr>
+            <a:picLocks noChangeAspect="1" noChangeArrowheads="1"/>
+          </p:cNvPicPr>
+          <p:nvPr/>
+        </p:nvPicPr>
+        <p:blipFill>
+          <a:blip r:embed="rId2">
+            <a:extLst>
+              <a:ext uri="{28A0092B-C50C-407E-A947-70E740481C1C}">
+                <a14:useLocalDpi xmlns:a14="http://schemas.microsoft.com/office/drawing/2010/main" val="0"/>
+              </a:ext>
+            </a:extLst>
+          </a:blip>
+          <a:srcRect/>
+          <a:stretch>
+            <a:fillRect/>
+          </a:stretch>
+        </p:blipFill>
+        <p:spPr bwMode="auto">
+          <a:xfrm>
+            <a:off x="1045632" y="2506134"/>
+            <a:ext cx="3272367" cy="2851150"/>
+          </a:xfrm>
+          <a:prstGeom prst="rect">
+            <a:avLst/>
+          </a:prstGeom>
+          <a:noFill/>
+          <a:extLst>
+            <a:ext uri="{909E8E84-426E-40DD-AFC4-6F175D3DCCD1}">
+              <a14:hiddenFill xmlns:a14="http://schemas.microsoft.com/office/drawing/2010/main">
+                <a:solidFill>
+                  <a:srgbClr val="FFFFFF"/>
+                </a:solidFill>
+              </a14:hiddenFill>
+            </a:ext>
+          </a:extLst>
+        </p:spPr>
+      </p:pic>
+      <p:pic>
+        <p:nvPicPr>
+          <p:cNvPr id="1030" name="Picture 6" descr="Флаг Красноярска — Википедия">
+            <a:extLst>
+              <a:ext uri="{FF2B5EF4-FFF2-40B4-BE49-F238E27FC236}">
+                <a16:creationId xmlns:a16="http://schemas.microsoft.com/office/drawing/2014/main" id="{809317E0-86A3-421A-9EEA-49B241B3EAD7}"/>
+              </a:ext>
+            </a:extLst>
+          </p:cNvPr>
+          <p:cNvPicPr>
+            <a:picLocks noChangeAspect="1" noChangeArrowheads="1"/>
+          </p:cNvPicPr>
+          <p:nvPr/>
+        </p:nvPicPr>
+        <p:blipFill>
+          <a:blip r:embed="rId3">
+            <a:extLst>
+              <a:ext uri="{28A0092B-C50C-407E-A947-70E740481C1C}">
+                <a14:useLocalDpi xmlns:a14="http://schemas.microsoft.com/office/drawing/2010/main" val="0"/>
+              </a:ext>
+            </a:extLst>
+          </a:blip>
+          <a:srcRect/>
+          <a:stretch>
+            <a:fillRect/>
+          </a:stretch>
+        </p:blipFill>
+        <p:spPr bwMode="auto">
+          <a:xfrm>
+            <a:off x="7611533" y="2679700"/>
+            <a:ext cx="2946400" cy="2504017"/>
+          </a:xfrm>
+          <a:prstGeom prst="rect">
+            <a:avLst/>
+          </a:prstGeom>
+          <a:noFill/>
+          <a:extLst>
+            <a:ext uri="{909E8E84-426E-40DD-AFC4-6F175D3DCCD1}">
+              <a14:hiddenFill xmlns:a14="http://schemas.microsoft.com/office/drawing/2010/main">
+                <a:solidFill>
+                  <a:srgbClr val="FFFFFF"/>
+                </a:solidFill>
+              </a14:hiddenFill>
+            </a:ext>
+          </a:extLst>
+        </p:spPr>
+      </p:pic>
+    </p:spTree>
+    <p:extLst>
+      <p:ext uri="{BB962C8B-B14F-4D97-AF65-F5344CB8AC3E}">
+        <p14:creationId xmlns:p14="http://schemas.microsoft.com/office/powerpoint/2010/main" val="1767809624"/>
+      </p:ext>
+    </p:extLst>
+  </p:cSld>
+  <p:clrMapOvr>
+    <a:masterClrMapping/>
+  </p:clrMapOvr>
+</p:sld>
+</file>
+
+<file path=ppt/slides/slide3.xml><?xml version="1.0" encoding="utf-8"?>
+<p:sld xmlns:a="http://schemas.openxmlformats.org/drawingml/2006/main" xmlns:r="http://schemas.openxmlformats.org/officeDocument/2006/relationships" xmlns:p="http://schemas.openxmlformats.org/presentationml/2006/main">
+  <p:cSld>
+    <p:spTree>
+      <p:nvGrpSpPr>
+        <p:cNvPr id="1" name=""/>
+        <p:cNvGrpSpPr/>
+        <p:nvPr/>
+      </p:nvGrpSpPr>
+      <p:grpSpPr>
+        <a:xfrm>
+          <a:off x="0" y="0"/>
+          <a:ext cx="0" cy="0"/>
+          <a:chOff x="0" y="0"/>
+          <a:chExt cx="0" cy="0"/>
+        </a:xfrm>
+      </p:grpSpPr>
+      <p:sp>
+        <p:nvSpPr>
+          <p:cNvPr id="2" name="Заголовок 1">
+            <a:extLst>
+              <a:ext uri="{FF2B5EF4-FFF2-40B4-BE49-F238E27FC236}">
+                <a16:creationId xmlns:a16="http://schemas.microsoft.com/office/drawing/2014/main" id="{C691B8C9-37BA-4EA6-ADA2-CF9071E943C0}"/>
+              </a:ext>
+            </a:extLst>
+          </p:cNvPr>
+          <p:cNvSpPr>
+            <a:spLocks noGrp="1"/>
+          </p:cNvSpPr>
+          <p:nvPr>
+            <p:ph type="title"/>
+          </p:nvPr>
+        </p:nvSpPr>
+        <p:spPr/>
+        <p:txBody>
+          <a:bodyPr/>
+          <a:lstStyle/>
+          <a:p>
+            <a:r>
+              <a:rPr lang="ru-RU"/>
+              <a:t> НАЦИОНАЛЬНОСТИ </a:t>
+            </a:r>
+            <a:r>
+              <a:rPr lang="ru-RU" dirty="0"/>
+              <a:t>КРОСНОЯРСКОГОКРАЯ </a:t>
+            </a:r>
+          </a:p>
+        </p:txBody>
+      </p:sp>
+      <p:sp>
+        <p:nvSpPr>
+          <p:cNvPr id="3" name="Объект 2">
+            <a:extLst>
+              <a:ext uri="{FF2B5EF4-FFF2-40B4-BE49-F238E27FC236}">
+                <a16:creationId xmlns:a16="http://schemas.microsoft.com/office/drawing/2014/main" id="{CD2885F8-1352-4021-A2A8-6CDD6120C323}"/>
+              </a:ext>
+            </a:extLst>
+          </p:cNvPr>
+          <p:cNvSpPr>
+            <a:spLocks noGrp="1"/>
+          </p:cNvSpPr>
+          <p:nvPr>
+            <p:ph idx="1"/>
+          </p:nvPr>
+        </p:nvSpPr>
+        <p:spPr>
+          <a:gradFill>
+            <a:gsLst>
+              <a:gs pos="0">
+                <a:schemeClr val="accent1">
+                  <a:lumMod val="5000"/>
+                  <a:lumOff val="95000"/>
+                </a:schemeClr>
+              </a:gs>
+              <a:gs pos="74000">
+                <a:schemeClr val="accent1">
+                  <a:lumMod val="45000"/>
+                  <a:lumOff val="55000"/>
+                </a:schemeClr>
+              </a:gs>
+              <a:gs pos="83000">
+                <a:schemeClr val="accent1">
+                  <a:lumMod val="45000"/>
+                  <a:lumOff val="55000"/>
+                </a:schemeClr>
+              </a:gs>
+              <a:gs pos="100000">
+                <a:schemeClr val="accent1">
+                  <a:lumMod val="30000"/>
+                  <a:lumOff val="70000"/>
+                </a:schemeClr>
+              </a:gs>
+            </a:gsLst>
+            <a:lin ang="5400000" scaled="1"/>
+          </a:gradFill>
+        </p:spPr>
+        <p:txBody>
+          <a:bodyPr/>
+          <a:lstStyle/>
+          <a:p>
+            <a:r>
+              <a:rPr lang="ru-RU" b="0" i="0" dirty="0">
+                <a:solidFill>
+                  <a:srgbClr val="1F1F1F"/>
+                </a:solidFill>
+                <a:effectLst/>
+                <a:latin typeface="Google Sans"/>
+              </a:rPr>
+              <a:t>На территории края проживают представители более 150 национальностей: </a:t>
+            </a:r>
+            <a:r>
+              <a:rPr lang="ru-RU" b="0" i="0" dirty="0">
+                <a:solidFill>
+                  <a:srgbClr val="040C28"/>
+                </a:solidFill>
+                <a:effectLst/>
+                <a:latin typeface="Google Sans"/>
+              </a:rPr>
+              <a:t>русские и украинцы, татары и чуваши, немцы, поляки, белорусы, армяне, киргизы, азербайджанцы, узбеки, грузины, молдаване, эстонцы, латыши и др</a:t>
+            </a:r>
+            <a:r>
+              <a:rPr lang="ru-RU" dirty="0">
+                <a:solidFill>
+                  <a:srgbClr val="1F1F1F"/>
+                </a:solidFill>
+                <a:latin typeface="Google Sans"/>
+              </a:rPr>
+              <a:t>угие.</a:t>
+            </a:r>
+            <a:endParaRPr lang="ru-RU" dirty="0"/>
+          </a:p>
+        </p:txBody>
+      </p:sp>
+    </p:spTree>
+    <p:extLst>
+      <p:ext uri="{BB962C8B-B14F-4D97-AF65-F5344CB8AC3E}">
+        <p14:creationId xmlns:p14="http://schemas.microsoft.com/office/powerpoint/2010/main" val="2609346391"/>
+      </p:ext>
+    </p:extLst>
+  </p:cSld>
+  <p:clrMapOvr>
+    <a:masterClrMapping/>
+  </p:clrMapOvr>
+</p:sld>
+</file>
+
+<file path=ppt/slides/slide4.xml><?xml version="1.0" encoding="utf-8"?>
+<p:sld xmlns:a="http://schemas.openxmlformats.org/drawingml/2006/main" xmlns:r="http://schemas.openxmlformats.org/officeDocument/2006/relationships" xmlns:p="http://schemas.openxmlformats.org/presentationml/2006/main">
+  <p:cSld>
+    <p:bg>
+      <p:bgPr>
+        <a:gradFill>
+          <a:gsLst>
+            <a:gs pos="0">
+              <a:schemeClr val="accent1">
+                <a:lumMod val="5000"/>
+                <a:lumOff val="95000"/>
+              </a:schemeClr>
+            </a:gs>
+            <a:gs pos="74000">
+              <a:schemeClr val="accent1">
+                <a:lumMod val="45000"/>
+                <a:lumOff val="55000"/>
+              </a:schemeClr>
+            </a:gs>
+            <a:gs pos="83000">
+              <a:schemeClr val="accent1">
+                <a:lumMod val="45000"/>
+                <a:lumOff val="55000"/>
+              </a:schemeClr>
+            </a:gs>
+            <a:gs pos="100000">
+              <a:schemeClr val="accent1">
+                <a:lumMod val="30000"/>
+                <a:lumOff val="70000"/>
+              </a:schemeClr>
+            </a:gs>
+          </a:gsLst>
+          <a:lin ang="5400000" scaled="1"/>
+        </a:gradFill>
+        <a:effectLst/>
+      </p:bgPr>
+    </p:bg>
+    <p:spTree>
+      <p:nvGrpSpPr>
+        <p:cNvPr id="1" name=""/>
+        <p:cNvGrpSpPr/>
+        <p:nvPr/>
+      </p:nvGrpSpPr>
+      <p:grpSpPr>
+        <a:xfrm>
+          <a:off x="0" y="0"/>
+          <a:ext cx="0" cy="0"/>
+          <a:chOff x="0" y="0"/>
+          <a:chExt cx="0" cy="0"/>
+        </a:xfrm>
+      </p:grpSpPr>
+      <p:sp>
+        <p:nvSpPr>
+          <p:cNvPr id="2" name="Заголовок 1">
+            <a:extLst>
+              <a:ext uri="{FF2B5EF4-FFF2-40B4-BE49-F238E27FC236}">
+                <a16:creationId xmlns:a16="http://schemas.microsoft.com/office/drawing/2014/main" id="{AAE271CE-E0D1-4B6C-B4B6-FBB4F8B73E4B}"/>
+              </a:ext>
+            </a:extLst>
+          </p:cNvPr>
+          <p:cNvSpPr>
+            <a:spLocks noGrp="1"/>
+          </p:cNvSpPr>
+          <p:nvPr>
+            <p:ph type="title"/>
+          </p:nvPr>
+        </p:nvSpPr>
+        <p:spPr/>
+        <p:txBody>
+          <a:bodyPr/>
+          <a:lstStyle/>
+          <a:p>
+            <a:endParaRPr lang="ru-RU"/>
+          </a:p>
+        </p:txBody>
+      </p:sp>
+      <p:sp>
+        <p:nvSpPr>
+          <p:cNvPr id="3" name="Объект 2">
+            <a:extLst>
+              <a:ext uri="{FF2B5EF4-FFF2-40B4-BE49-F238E27FC236}">
+                <a16:creationId xmlns:a16="http://schemas.microsoft.com/office/drawing/2014/main" id="{AEEE0B09-9CAD-4EFB-A2BC-F455974A4654}"/>
+              </a:ext>
+            </a:extLst>
+          </p:cNvPr>
+          <p:cNvSpPr>
+            <a:spLocks noGrp="1"/>
+          </p:cNvSpPr>
+          <p:nvPr>
+            <p:ph idx="1"/>
+          </p:nvPr>
+        </p:nvSpPr>
+        <p:spPr>
+          <a:xfrm>
+            <a:off x="838200" y="477577"/>
+            <a:ext cx="10515600" cy="2463799"/>
+          </a:xfrm>
+        </p:spPr>
+        <p:txBody>
+          <a:bodyPr/>
+          <a:lstStyle/>
+          <a:p>
+            <a:r>
+              <a:rPr lang="ru-RU" dirty="0"/>
+              <a:t>Красноярский край славится своими горами лесами и природой. В Красноярском краю очень много животных</a:t>
+            </a:r>
+            <a:r>
+              <a:rPr lang="en-US" dirty="0"/>
+              <a:t>,</a:t>
+            </a:r>
+            <a:r>
+              <a:rPr lang="ru-RU" dirty="0"/>
+              <a:t> из красной книги.</a:t>
+            </a:r>
+          </a:p>
+        </p:txBody>
+      </p:sp>
+      <p:pic>
+        <p:nvPicPr>
+          <p:cNvPr id="3074" name="Picture 2" descr="Природа Красноярского края | Животный мир и природа Красноярского края">
+            <a:extLst>
+              <a:ext uri="{FF2B5EF4-FFF2-40B4-BE49-F238E27FC236}">
+                <a16:creationId xmlns:a16="http://schemas.microsoft.com/office/drawing/2014/main" id="{5620161B-7F4B-4160-8E0D-E249532879DD}"/>
+              </a:ext>
+            </a:extLst>
+          </p:cNvPr>
+          <p:cNvPicPr>
+            <a:picLocks noChangeAspect="1" noChangeArrowheads="1"/>
+          </p:cNvPicPr>
+          <p:nvPr/>
+        </p:nvPicPr>
+        <p:blipFill>
+          <a:blip r:embed="rId2">
+            <a:extLst>
+              <a:ext uri="{28A0092B-C50C-407E-A947-70E740481C1C}">
+                <a14:useLocalDpi xmlns:a14="http://schemas.microsoft.com/office/drawing/2010/main" val="0"/>
+              </a:ext>
+            </a:extLst>
+          </a:blip>
+          <a:srcRect/>
+          <a:stretch>
+            <a:fillRect/>
+          </a:stretch>
+        </p:blipFill>
+        <p:spPr bwMode="auto">
+          <a:xfrm>
+            <a:off x="-252412" y="5162550"/>
+            <a:ext cx="2695575" cy="1695450"/>
+          </a:xfrm>
+          <a:prstGeom prst="rect">
+            <a:avLst/>
+          </a:prstGeom>
+          <a:noFill/>
+          <a:extLst>
+            <a:ext uri="{909E8E84-426E-40DD-AFC4-6F175D3DCCD1}">
+              <a14:hiddenFill xmlns:a14="http://schemas.microsoft.com/office/drawing/2010/main">
+                <a:solidFill>
+                  <a:srgbClr val="FFFFFF"/>
+                </a:solidFill>
+              </a14:hiddenFill>
+            </a:ext>
+          </a:extLst>
+        </p:spPr>
+      </p:pic>
+      <p:pic>
+        <p:nvPicPr>
+          <p:cNvPr id="3078" name="Picture 6" descr="Достопримечательности Красноярского края: лучшие места с фото, отзывами,  ценами, названиями и описаниями">
+            <a:extLst>
+              <a:ext uri="{FF2B5EF4-FFF2-40B4-BE49-F238E27FC236}">
+                <a16:creationId xmlns:a16="http://schemas.microsoft.com/office/drawing/2014/main" id="{49043703-08C1-4731-9A48-B0E829C58BFE}"/>
+              </a:ext>
+            </a:extLst>
+          </p:cNvPr>
+          <p:cNvPicPr>
+            <a:picLocks noChangeAspect="1" noChangeArrowheads="1"/>
+          </p:cNvPicPr>
+          <p:nvPr/>
+        </p:nvPicPr>
+        <p:blipFill>
+          <a:blip r:embed="rId3">
+            <a:extLst>
+              <a:ext uri="{28A0092B-C50C-407E-A947-70E740481C1C}">
+                <a14:useLocalDpi xmlns:a14="http://schemas.microsoft.com/office/drawing/2010/main" val="0"/>
+              </a:ext>
+            </a:extLst>
+          </a:blip>
+          <a:srcRect/>
+          <a:stretch>
+            <a:fillRect/>
+          </a:stretch>
+        </p:blipFill>
+        <p:spPr bwMode="auto">
+          <a:xfrm>
+            <a:off x="5129742" y="4885267"/>
+            <a:ext cx="2353733" cy="1972733"/>
+          </a:xfrm>
+          <a:prstGeom prst="rect">
+            <a:avLst/>
+          </a:prstGeom>
+          <a:noFill/>
+          <a:extLst>
+            <a:ext uri="{909E8E84-426E-40DD-AFC4-6F175D3DCCD1}">
+              <a14:hiddenFill xmlns:a14="http://schemas.microsoft.com/office/drawing/2010/main">
+                <a:solidFill>
+                  <a:srgbClr val="FFFFFF"/>
+                </a:solidFill>
+              </a14:hiddenFill>
+            </a:ext>
+          </a:extLst>
+        </p:spPr>
+      </p:pic>
+      <p:pic>
+        <p:nvPicPr>
+          <p:cNvPr id="3080" name="Picture 8" descr="Видеоролик о природе Красноярского Края. - YouTube">
+            <a:extLst>
+              <a:ext uri="{FF2B5EF4-FFF2-40B4-BE49-F238E27FC236}">
+                <a16:creationId xmlns:a16="http://schemas.microsoft.com/office/drawing/2014/main" id="{ABC724A1-461C-442F-921B-C6BE34D3E5BD}"/>
+              </a:ext>
+            </a:extLst>
+          </p:cNvPr>
+          <p:cNvPicPr>
+            <a:picLocks noChangeAspect="1" noChangeArrowheads="1"/>
+          </p:cNvPicPr>
+          <p:nvPr/>
+        </p:nvPicPr>
+        <p:blipFill>
+          <a:blip r:embed="rId4">
+            <a:extLst>
+              <a:ext uri="{28A0092B-C50C-407E-A947-70E740481C1C}">
+                <a14:useLocalDpi xmlns:a14="http://schemas.microsoft.com/office/drawing/2010/main" val="0"/>
+              </a:ext>
+            </a:extLst>
+          </a:blip>
+          <a:srcRect/>
+          <a:stretch>
+            <a:fillRect/>
+          </a:stretch>
+        </p:blipFill>
+        <p:spPr bwMode="auto">
+          <a:xfrm>
+            <a:off x="2417499" y="5286642"/>
+            <a:ext cx="2857500" cy="1600200"/>
+          </a:xfrm>
+          <a:prstGeom prst="rect">
+            <a:avLst/>
+          </a:prstGeom>
+          <a:noFill/>
+          <a:extLst>
+            <a:ext uri="{909E8E84-426E-40DD-AFC4-6F175D3DCCD1}">
+              <a14:hiddenFill xmlns:a14="http://schemas.microsoft.com/office/drawing/2010/main">
+                <a:solidFill>
+                  <a:srgbClr val="FFFFFF"/>
+                </a:solidFill>
+              </a14:hiddenFill>
+            </a:ext>
+          </a:extLst>
+        </p:spPr>
+      </p:pic>
+      <p:pic>
+        <p:nvPicPr>
+          <p:cNvPr id="3082" name="Picture 10" descr="Более 4 500 работ на тему «красноярский край»: стоковые фото, картинки и  изображения royalty-free - iStock">
+            <a:extLst>
+              <a:ext uri="{FF2B5EF4-FFF2-40B4-BE49-F238E27FC236}">
+                <a16:creationId xmlns:a16="http://schemas.microsoft.com/office/drawing/2014/main" id="{7BC440B2-3D51-4411-9AC3-537C1D39437B}"/>
+              </a:ext>
+            </a:extLst>
+          </p:cNvPr>
+          <p:cNvPicPr>
+            <a:picLocks noChangeAspect="1" noChangeArrowheads="1"/>
+          </p:cNvPicPr>
+          <p:nvPr/>
+        </p:nvPicPr>
+        <p:blipFill>
+          <a:blip r:embed="rId5">
+            <a:extLst>
+              <a:ext uri="{28A0092B-C50C-407E-A947-70E740481C1C}">
+                <a14:useLocalDpi xmlns:a14="http://schemas.microsoft.com/office/drawing/2010/main" val="0"/>
+              </a:ext>
+            </a:extLst>
+          </a:blip>
+          <a:srcRect/>
+          <a:stretch>
+            <a:fillRect/>
+          </a:stretch>
+        </p:blipFill>
+        <p:spPr bwMode="auto">
+          <a:xfrm>
+            <a:off x="0" y="3429000"/>
+            <a:ext cx="2619375" cy="1743075"/>
+          </a:xfrm>
+          <a:prstGeom prst="rect">
+            <a:avLst/>
+          </a:prstGeom>
+          <a:noFill/>
+          <a:extLst>
+            <a:ext uri="{909E8E84-426E-40DD-AFC4-6F175D3DCCD1}">
+              <a14:hiddenFill xmlns:a14="http://schemas.microsoft.com/office/drawing/2010/main">
+                <a:solidFill>
+                  <a:srgbClr val="FFFFFF"/>
+                </a:solidFill>
+              </a14:hiddenFill>
+            </a:ext>
+          </a:extLst>
+        </p:spPr>
+      </p:pic>
+      <p:pic>
+        <p:nvPicPr>
+          <p:cNvPr id="3084" name="Picture 12" descr="Природа Красноярского края | Животный мир и природа Красноярского края">
+            <a:extLst>
+              <a:ext uri="{FF2B5EF4-FFF2-40B4-BE49-F238E27FC236}">
+                <a16:creationId xmlns:a16="http://schemas.microsoft.com/office/drawing/2014/main" id="{6C2A7023-31E2-4C0E-BE52-DDBA98EBC644}"/>
+              </a:ext>
+            </a:extLst>
+          </p:cNvPr>
+          <p:cNvPicPr>
+            <a:picLocks noChangeAspect="1" noChangeArrowheads="1"/>
+          </p:cNvPicPr>
+          <p:nvPr/>
+        </p:nvPicPr>
+        <p:blipFill>
+          <a:blip r:embed="rId6">
+            <a:extLst>
+              <a:ext uri="{28A0092B-C50C-407E-A947-70E740481C1C}">
+                <a14:useLocalDpi xmlns:a14="http://schemas.microsoft.com/office/drawing/2010/main" val="0"/>
+              </a:ext>
+            </a:extLst>
+          </a:blip>
+          <a:srcRect/>
+          <a:stretch>
+            <a:fillRect/>
+          </a:stretch>
+        </p:blipFill>
+        <p:spPr bwMode="auto">
+          <a:xfrm>
+            <a:off x="2562225" y="3543567"/>
+            <a:ext cx="2619375" cy="1743075"/>
+          </a:xfrm>
+          <a:prstGeom prst="rect">
+            <a:avLst/>
+          </a:prstGeom>
+          <a:noFill/>
+          <a:extLst>
+            <a:ext uri="{909E8E84-426E-40DD-AFC4-6F175D3DCCD1}">
+              <a14:hiddenFill xmlns:a14="http://schemas.microsoft.com/office/drawing/2010/main">
+                <a:solidFill>
+                  <a:srgbClr val="FFFFFF"/>
+                </a:solidFill>
+              </a14:hiddenFill>
+            </a:ext>
+          </a:extLst>
+        </p:spPr>
+      </p:pic>
+      <p:pic>
+        <p:nvPicPr>
+          <p:cNvPr id="3086" name="Picture 14" descr="Красноярская природа - фото">
+            <a:extLst>
+              <a:ext uri="{FF2B5EF4-FFF2-40B4-BE49-F238E27FC236}">
+                <a16:creationId xmlns:a16="http://schemas.microsoft.com/office/drawing/2014/main" id="{EB37645C-5079-4C05-8224-600B8C06634D}"/>
+              </a:ext>
+            </a:extLst>
+          </p:cNvPr>
+          <p:cNvPicPr>
+            <a:picLocks noChangeAspect="1" noChangeArrowheads="1"/>
+          </p:cNvPicPr>
+          <p:nvPr/>
+        </p:nvPicPr>
+        <p:blipFill>
+          <a:blip r:embed="rId7">
+            <a:extLst>
+              <a:ext uri="{28A0092B-C50C-407E-A947-70E740481C1C}">
+                <a14:useLocalDpi xmlns:a14="http://schemas.microsoft.com/office/drawing/2010/main" val="0"/>
+              </a:ext>
+            </a:extLst>
+          </a:blip>
+          <a:srcRect/>
+          <a:stretch>
+            <a:fillRect/>
+          </a:stretch>
+        </p:blipFill>
+        <p:spPr bwMode="auto">
+          <a:xfrm>
+            <a:off x="7483475" y="4856425"/>
+            <a:ext cx="2857500" cy="1972733"/>
+          </a:xfrm>
+          <a:prstGeom prst="rect">
+            <a:avLst/>
+          </a:prstGeom>
+          <a:noFill/>
+          <a:extLst>
+            <a:ext uri="{909E8E84-426E-40DD-AFC4-6F175D3DCCD1}">
+              <a14:hiddenFill xmlns:a14="http://schemas.microsoft.com/office/drawing/2010/main">
+                <a:solidFill>
+                  <a:srgbClr val="FFFFFF"/>
+                </a:solidFill>
+              </a14:hiddenFill>
+            </a:ext>
+          </a:extLst>
+        </p:spPr>
+      </p:pic>
+      <p:pic>
+        <p:nvPicPr>
+          <p:cNvPr id="3088" name="Picture 16" descr="Природа, растения и животные Красноярского края">
+            <a:extLst>
+              <a:ext uri="{FF2B5EF4-FFF2-40B4-BE49-F238E27FC236}">
+                <a16:creationId xmlns:a16="http://schemas.microsoft.com/office/drawing/2014/main" id="{7D2F7C9F-D4C0-4BAA-A012-25B761837500}"/>
+              </a:ext>
+            </a:extLst>
+          </p:cNvPr>
+          <p:cNvPicPr>
+            <a:picLocks noChangeAspect="1" noChangeArrowheads="1"/>
+          </p:cNvPicPr>
+          <p:nvPr/>
+        </p:nvPicPr>
+        <p:blipFill>
+          <a:blip r:embed="rId8">
+            <a:extLst>
+              <a:ext uri="{28A0092B-C50C-407E-A947-70E740481C1C}">
+                <a14:useLocalDpi xmlns:a14="http://schemas.microsoft.com/office/drawing/2010/main" val="0"/>
+              </a:ext>
+            </a:extLst>
+          </a:blip>
+          <a:srcRect/>
+          <a:stretch>
+            <a:fillRect/>
+          </a:stretch>
+        </p:blipFill>
+        <p:spPr bwMode="auto">
+          <a:xfrm>
+            <a:off x="10170055" y="4365358"/>
+            <a:ext cx="1970616" cy="2463800"/>
+          </a:xfrm>
+          <a:prstGeom prst="rect">
+            <a:avLst/>
+          </a:prstGeom>
+          <a:noFill/>
+          <a:extLst>
+            <a:ext uri="{909E8E84-426E-40DD-AFC4-6F175D3DCCD1}">
+              <a14:hiddenFill xmlns:a14="http://schemas.microsoft.com/office/drawing/2010/main">
+                <a:solidFill>
+                  <a:srgbClr val="FFFFFF"/>
+                </a:solidFill>
+              </a14:hiddenFill>
+            </a:ext>
+          </a:extLst>
+        </p:spPr>
+      </p:pic>
+      <p:pic>
+        <p:nvPicPr>
+          <p:cNvPr id="3090" name="Picture 18" descr="Природные экскурсии в Красноярске">
+            <a:extLst>
+              <a:ext uri="{FF2B5EF4-FFF2-40B4-BE49-F238E27FC236}">
+                <a16:creationId xmlns:a16="http://schemas.microsoft.com/office/drawing/2014/main" id="{0450E908-3AD6-4416-8902-CE271C839EEC}"/>
+              </a:ext>
+            </a:extLst>
+          </p:cNvPr>
+          <p:cNvPicPr>
+            <a:picLocks noChangeAspect="1" noChangeArrowheads="1"/>
+          </p:cNvPicPr>
+          <p:nvPr/>
+        </p:nvPicPr>
+        <p:blipFill>
+          <a:blip r:embed="rId9">
+            <a:extLst>
+              <a:ext uri="{28A0092B-C50C-407E-A947-70E740481C1C}">
+                <a14:useLocalDpi xmlns:a14="http://schemas.microsoft.com/office/drawing/2010/main" val="0"/>
+              </a:ext>
+            </a:extLst>
+          </a:blip>
+          <a:srcRect/>
+          <a:stretch>
+            <a:fillRect/>
+          </a:stretch>
+        </p:blipFill>
+        <p:spPr bwMode="auto">
+          <a:xfrm>
+            <a:off x="5129742" y="1943368"/>
+            <a:ext cx="5040312" cy="2941900"/>
+          </a:xfrm>
+          <a:prstGeom prst="rect">
+            <a:avLst/>
+          </a:prstGeom>
+          <a:noFill/>
+          <a:extLst>
+            <a:ext uri="{909E8E84-426E-40DD-AFC4-6F175D3DCCD1}">
+              <a14:hiddenFill xmlns:a14="http://schemas.microsoft.com/office/drawing/2010/main">
+                <a:solidFill>
+                  <a:srgbClr val="FFFFFF"/>
+                </a:solidFill>
+              </a14:hiddenFill>
+            </a:ext>
+          </a:extLst>
+        </p:spPr>
+      </p:pic>
+      <p:pic>
+        <p:nvPicPr>
+          <p:cNvPr id="3092" name="Picture 20" descr="Красноярская ГЭС. Россия, Красноярский край, Дивногорск - «Красноярская ГЭС  - это то, ради чего можно поехать в Сибирь» | отзывы">
+            <a:extLst>
+              <a:ext uri="{FF2B5EF4-FFF2-40B4-BE49-F238E27FC236}">
+                <a16:creationId xmlns:a16="http://schemas.microsoft.com/office/drawing/2014/main" id="{8A2F673E-6CDF-4A3A-9EFF-D92A78166903}"/>
+              </a:ext>
+            </a:extLst>
+          </p:cNvPr>
+          <p:cNvPicPr>
+            <a:picLocks noChangeAspect="1" noChangeArrowheads="1"/>
+          </p:cNvPicPr>
+          <p:nvPr/>
+        </p:nvPicPr>
+        <p:blipFill>
+          <a:blip r:embed="rId10">
+            <a:extLst>
+              <a:ext uri="{28A0092B-C50C-407E-A947-70E740481C1C}">
+                <a14:useLocalDpi xmlns:a14="http://schemas.microsoft.com/office/drawing/2010/main" val="0"/>
+              </a:ext>
+            </a:extLst>
+          </a:blip>
+          <a:srcRect/>
+          <a:stretch>
+            <a:fillRect/>
+          </a:stretch>
+        </p:blipFill>
+        <p:spPr bwMode="auto">
+          <a:xfrm>
+            <a:off x="9778206" y="2082800"/>
+            <a:ext cx="2413794" cy="2267677"/>
+          </a:xfrm>
+          <a:prstGeom prst="rect">
+            <a:avLst/>
+          </a:prstGeom>
+          <a:noFill/>
+          <a:extLst>
+            <a:ext uri="{909E8E84-426E-40DD-AFC4-6F175D3DCCD1}">
+              <a14:hiddenFill xmlns:a14="http://schemas.microsoft.com/office/drawing/2010/main">
+                <a:solidFill>
+                  <a:srgbClr val="FFFFFF"/>
+                </a:solidFill>
+              </a14:hiddenFill>
+            </a:ext>
+          </a:extLst>
+        </p:spPr>
+      </p:pic>
+      <p:pic>
+        <p:nvPicPr>
+          <p:cNvPr id="3094" name="Picture 22" descr="25 лучших достопримечательностей Красноярского края - описание и фото">
+            <a:extLst>
+              <a:ext uri="{FF2B5EF4-FFF2-40B4-BE49-F238E27FC236}">
+                <a16:creationId xmlns:a16="http://schemas.microsoft.com/office/drawing/2014/main" id="{8158D020-00A7-4A8C-BDA8-E5CFD3E6FEAA}"/>
+              </a:ext>
+            </a:extLst>
+          </p:cNvPr>
+          <p:cNvPicPr>
+            <a:picLocks noChangeAspect="1" noChangeArrowheads="1"/>
+          </p:cNvPicPr>
+          <p:nvPr/>
+        </p:nvPicPr>
+        <p:blipFill>
+          <a:blip r:embed="rId11">
+            <a:extLst>
+              <a:ext uri="{28A0092B-C50C-407E-A947-70E740481C1C}">
+                <a14:useLocalDpi xmlns:a14="http://schemas.microsoft.com/office/drawing/2010/main" val="0"/>
+              </a:ext>
+            </a:extLst>
+          </a:blip>
+          <a:srcRect/>
+          <a:stretch>
+            <a:fillRect/>
+          </a:stretch>
+        </p:blipFill>
+        <p:spPr bwMode="auto">
+          <a:xfrm>
+            <a:off x="0" y="1326621"/>
+            <a:ext cx="5129741" cy="2216945"/>
+          </a:xfrm>
+          <a:prstGeom prst="rect">
+            <a:avLst/>
+          </a:prstGeom>
+          <a:noFill/>
+          <a:extLst>
+            <a:ext uri="{909E8E84-426E-40DD-AFC4-6F175D3DCCD1}">
+              <a14:hiddenFill xmlns:a14="http://schemas.microsoft.com/office/drawing/2010/main">
+                <a:solidFill>
+                  <a:srgbClr val="FFFFFF"/>
+                </a:solidFill>
+              </a14:hiddenFill>
+            </a:ext>
+          </a:extLst>
+        </p:spPr>
+      </p:pic>
+    </p:spTree>
+    <p:extLst>
+      <p:ext uri="{BB962C8B-B14F-4D97-AF65-F5344CB8AC3E}">
+        <p14:creationId xmlns:p14="http://schemas.microsoft.com/office/powerpoint/2010/main" val="2366181987"/>
+      </p:ext>
+    </p:extLst>
+  </p:cSld>
+  <p:clrMapOvr>
+    <a:masterClrMapping/>
+  </p:clrMapOvr>
+</p:sld>
+</file>
+
+<file path=ppt/slides/slide5.xml><?xml version="1.0" encoding="utf-8"?>
+<p:sld xmlns:a="http://schemas.openxmlformats.org/drawingml/2006/main" xmlns:r="http://schemas.openxmlformats.org/officeDocument/2006/relationships" xmlns:p="http://schemas.openxmlformats.org/presentationml/2006/main">
+  <p:cSld>
+    <p:bg>
+      <p:bgPr>
+        <a:gradFill>
+          <a:gsLst>
+            <a:gs pos="0">
+              <a:schemeClr val="accent1">
+                <a:lumMod val="5000"/>
+                <a:lumOff val="95000"/>
+              </a:schemeClr>
+            </a:gs>
+            <a:gs pos="74000">
+              <a:schemeClr val="accent1">
+                <a:lumMod val="45000"/>
+                <a:lumOff val="55000"/>
+              </a:schemeClr>
+            </a:gs>
+            <a:gs pos="83000">
+              <a:schemeClr val="accent1">
+                <a:lumMod val="45000"/>
+                <a:lumOff val="55000"/>
+              </a:schemeClr>
+            </a:gs>
+            <a:gs pos="100000">
+              <a:schemeClr val="accent1">
+                <a:lumMod val="30000"/>
+                <a:lumOff val="70000"/>
+              </a:schemeClr>
+            </a:gs>
+          </a:gsLst>
+          <a:lin ang="5400000" scaled="1"/>
+        </a:gradFill>
+        <a:effectLst/>
+      </p:bgPr>
+    </p:bg>
+    <p:spTree>
+      <p:nvGrpSpPr>
+        <p:cNvPr id="1" name=""/>
+        <p:cNvGrpSpPr/>
+        <p:nvPr/>
+      </p:nvGrpSpPr>
+      <p:grpSpPr>
+        <a:xfrm>
+          <a:off x="0" y="0"/>
+          <a:ext cx="0" cy="0"/>
+          <a:chOff x="0" y="0"/>
+          <a:chExt cx="0" cy="0"/>
+        </a:xfrm>
+      </p:grpSpPr>
+      <p:sp>
+        <p:nvSpPr>
+          <p:cNvPr id="2" name="Заголовок 1">
+            <a:extLst>
+              <a:ext uri="{FF2B5EF4-FFF2-40B4-BE49-F238E27FC236}">
                 <a16:creationId xmlns:a16="http://schemas.microsoft.com/office/drawing/2014/main" id="{B5742D89-C202-4722-A504-C67624F341C6}"/>
               </a:ext>
             </a:extLst>
@@ -3530,7 +4565,7 @@
           <a:p>
             <a:r>
               <a:rPr lang="ru-RU" dirty="0"/>
-              <a:t>В Красноярском краю более 2 849 169 людей. в красноярском краю добывают </a:t>
+              <a:t>В Красноярском крае более 2 849 169 людей. в красноярском крае добывают </a:t>
             </a:r>
             <a:r>
               <a:rPr lang="ru-RU" b="0" i="0" dirty="0">
@@ -3616,575 +4651,43 @@
 </p:sld>
 </file>
 
-<file path=ppt/slides/slide3.xml><?xml version="1.0" encoding="utf-8"?>
+<file path=ppt/slides/slide6.xml><?xml version="1.0" encoding="utf-8"?>
 <p:sld xmlns:a="http://schemas.openxmlformats.org/drawingml/2006/main" xmlns:r="http://schemas.openxmlformats.org/officeDocument/2006/relationships" xmlns:p="http://schemas.openxmlformats.org/presentationml/2006/main">
   <p:cSld>
-    <p:spTree>
-      <p:nvGrpSpPr>
-        <p:cNvPr id="1" name=""/>
-        <p:cNvGrpSpPr/>
-        <p:nvPr/>
-      </p:nvGrpSpPr>
-      <p:grpSpPr>
-        <a:xfrm>
-          <a:off x="0" y="0"/>
-          <a:ext cx="0" cy="0"/>
-          <a:chOff x="0" y="0"/>
-          <a:chExt cx="0" cy="0"/>
-        </a:xfrm>
-      </p:grpSpPr>
-      <p:sp>
-        <p:nvSpPr>
-          <p:cNvPr id="2" name="Заголовок 1">
-            <a:extLst>
-              <a:ext uri="{FF2B5EF4-FFF2-40B4-BE49-F238E27FC236}">
-                <a16:creationId xmlns:a16="http://schemas.microsoft.com/office/drawing/2014/main" id="{AAE271CE-E0D1-4B6C-B4B6-FBB4F8B73E4B}"/>
-              </a:ext>
-            </a:extLst>
-          </p:cNvPr>
-          <p:cNvSpPr>
-            <a:spLocks noGrp="1"/>
-          </p:cNvSpPr>
-          <p:nvPr>
-            <p:ph type="title"/>
-          </p:nvPr>
-        </p:nvSpPr>
-        <p:spPr/>
-        <p:txBody>
-          <a:bodyPr/>
-          <a:lstStyle/>
-          <a:p>
-            <a:endParaRPr lang="ru-RU"/>
-          </a:p>
-        </p:txBody>
-      </p:sp>
-      <p:sp>
-        <p:nvSpPr>
-          <p:cNvPr id="3" name="Объект 2">
-            <a:extLst>
-              <a:ext uri="{FF2B5EF4-FFF2-40B4-BE49-F238E27FC236}">
-                <a16:creationId xmlns:a16="http://schemas.microsoft.com/office/drawing/2014/main" id="{AEEE0B09-9CAD-4EFB-A2BC-F455974A4654}"/>
-              </a:ext>
-            </a:extLst>
-          </p:cNvPr>
-          <p:cNvSpPr>
-            <a:spLocks noGrp="1"/>
-          </p:cNvSpPr>
-          <p:nvPr>
-            <p:ph idx="1"/>
-          </p:nvPr>
-        </p:nvSpPr>
-        <p:spPr>
-          <a:xfrm>
-            <a:off x="838200" y="477577"/>
-            <a:ext cx="10515600" cy="2463799"/>
-          </a:xfrm>
-        </p:spPr>
-        <p:txBody>
-          <a:bodyPr/>
-          <a:lstStyle/>
-          <a:p>
-            <a:r>
-              <a:rPr lang="ru-RU" dirty="0"/>
-              <a:t>Красноярский край славится своими горами лесами и природой. В Красноярском краю очень много животных</a:t>
-            </a:r>
-            <a:r>
-              <a:rPr lang="en-US" dirty="0"/>
-              <a:t>,</a:t>
-            </a:r>
-            <a:r>
-              <a:rPr lang="ru-RU" dirty="0"/>
-              <a:t> из красной книги.</a:t>
-            </a:r>
-          </a:p>
-        </p:txBody>
-      </p:sp>
-      <p:pic>
-        <p:nvPicPr>
-          <p:cNvPr id="3074" name="Picture 2" descr="Природа Красноярского края | Животный мир и природа Красноярского края">
-            <a:extLst>
-              <a:ext uri="{FF2B5EF4-FFF2-40B4-BE49-F238E27FC236}">
-                <a16:creationId xmlns:a16="http://schemas.microsoft.com/office/drawing/2014/main" id="{5620161B-7F4B-4160-8E0D-E249532879DD}"/>
-              </a:ext>
-            </a:extLst>
-          </p:cNvPr>
-          <p:cNvPicPr>
-            <a:picLocks noChangeAspect="1" noChangeArrowheads="1"/>
-          </p:cNvPicPr>
-          <p:nvPr/>
-        </p:nvPicPr>
-        <p:blipFill>
-          <a:blip r:embed="rId2">
-            <a:extLst>
-              <a:ext uri="{28A0092B-C50C-407E-A947-70E740481C1C}">
-                <a14:useLocalDpi xmlns:a14="http://schemas.microsoft.com/office/drawing/2010/main" val="0"/>
-              </a:ext>
-            </a:extLst>
-          </a:blip>
-          <a:srcRect/>
-          <a:stretch>
-            <a:fillRect/>
-          </a:stretch>
-        </p:blipFill>
-        <p:spPr bwMode="auto">
-          <a:xfrm>
-            <a:off x="-252412" y="5162550"/>
-            <a:ext cx="2695575" cy="1695450"/>
-          </a:xfrm>
-          <a:prstGeom prst="rect">
-            <a:avLst/>
-          </a:prstGeom>
-          <a:noFill/>
-          <a:extLst>
-            <a:ext uri="{909E8E84-426E-40DD-AFC4-6F175D3DCCD1}">
-              <a14:hiddenFill xmlns:a14="http://schemas.microsoft.com/office/drawing/2010/main">
-                <a:solidFill>
-                  <a:srgbClr val="FFFFFF"/>
-                </a:solidFill>
-              </a14:hiddenFill>
-            </a:ext>
-          </a:extLst>
-        </p:spPr>
-      </p:pic>
-      <p:pic>
-        <p:nvPicPr>
-          <p:cNvPr id="3078" name="Picture 6" descr="Достопримечательности Красноярского края: лучшие места с фото, отзывами,  ценами, названиями и описаниями">
-            <a:extLst>
-              <a:ext uri="{FF2B5EF4-FFF2-40B4-BE49-F238E27FC236}">
-                <a16:creationId xmlns:a16="http://schemas.microsoft.com/office/drawing/2014/main" id="{49043703-08C1-4731-9A48-B0E829C58BFE}"/>
-              </a:ext>
-            </a:extLst>
-          </p:cNvPr>
-          <p:cNvPicPr>
-            <a:picLocks noChangeAspect="1" noChangeArrowheads="1"/>
-          </p:cNvPicPr>
-          <p:nvPr/>
-        </p:nvPicPr>
-        <p:blipFill>
-          <a:blip r:embed="rId3">
-            <a:extLst>
-              <a:ext uri="{28A0092B-C50C-407E-A947-70E740481C1C}">
-                <a14:useLocalDpi xmlns:a14="http://schemas.microsoft.com/office/drawing/2010/main" val="0"/>
-              </a:ext>
-            </a:extLst>
-          </a:blip>
-          <a:srcRect/>
-          <a:stretch>
-            <a:fillRect/>
-          </a:stretch>
-        </p:blipFill>
-        <p:spPr bwMode="auto">
-          <a:xfrm>
-            <a:off x="5129742" y="4885267"/>
-            <a:ext cx="2353733" cy="1972733"/>
-          </a:xfrm>
-          <a:prstGeom prst="rect">
-            <a:avLst/>
-          </a:prstGeom>
-          <a:noFill/>
-          <a:extLst>
-            <a:ext uri="{909E8E84-426E-40DD-AFC4-6F175D3DCCD1}">
-              <a14:hiddenFill xmlns:a14="http://schemas.microsoft.com/office/drawing/2010/main">
-                <a:solidFill>
-                  <a:srgbClr val="FFFFFF"/>
-                </a:solidFill>
-              </a14:hiddenFill>
-            </a:ext>
-          </a:extLst>
-        </p:spPr>
-      </p:pic>
-      <p:pic>
-        <p:nvPicPr>
-          <p:cNvPr id="3080" name="Picture 8" descr="Видеоролик о природе Красноярского Края. - YouTube">
-            <a:extLst>
-              <a:ext uri="{FF2B5EF4-FFF2-40B4-BE49-F238E27FC236}">
-                <a16:creationId xmlns:a16="http://schemas.microsoft.com/office/drawing/2014/main" id="{ABC724A1-461C-442F-921B-C6BE34D3E5BD}"/>
-              </a:ext>
-            </a:extLst>
-          </p:cNvPr>
-          <p:cNvPicPr>
-            <a:picLocks noChangeAspect="1" noChangeArrowheads="1"/>
-          </p:cNvPicPr>
-          <p:nvPr/>
-        </p:nvPicPr>
-        <p:blipFill>
-          <a:blip r:embed="rId4">
-            <a:extLst>
-              <a:ext uri="{28A0092B-C50C-407E-A947-70E740481C1C}">
-                <a14:useLocalDpi xmlns:a14="http://schemas.microsoft.com/office/drawing/2010/main" val="0"/>
-              </a:ext>
-            </a:extLst>
-          </a:blip>
-          <a:srcRect/>
-          <a:stretch>
-            <a:fillRect/>
-          </a:stretch>
-        </p:blipFill>
-        <p:spPr bwMode="auto">
-          <a:xfrm>
-            <a:off x="2417499" y="5286642"/>
-            <a:ext cx="2857500" cy="1600200"/>
-          </a:xfrm>
-          <a:prstGeom prst="rect">
-            <a:avLst/>
-          </a:prstGeom>
-          <a:noFill/>
-          <a:extLst>
-            <a:ext uri="{909E8E84-426E-40DD-AFC4-6F175D3DCCD1}">
-              <a14:hiddenFill xmlns:a14="http://schemas.microsoft.com/office/drawing/2010/main">
-                <a:solidFill>
-                  <a:srgbClr val="FFFFFF"/>
-                </a:solidFill>
-              </a14:hiddenFill>
-            </a:ext>
-          </a:extLst>
-        </p:spPr>
-      </p:pic>
-      <p:pic>
-        <p:nvPicPr>
-          <p:cNvPr id="3082" name="Picture 10" descr="Более 4 500 работ на тему «красноярский край»: стоковые фото, картинки и  изображения royalty-free - iStock">
-            <a:extLst>
-              <a:ext uri="{FF2B5EF4-FFF2-40B4-BE49-F238E27FC236}">
-                <a16:creationId xmlns:a16="http://schemas.microsoft.com/office/drawing/2014/main" id="{7BC440B2-3D51-4411-9AC3-537C1D39437B}"/>
-              </a:ext>
-            </a:extLst>
-          </p:cNvPr>
-          <p:cNvPicPr>
-            <a:picLocks noChangeAspect="1" noChangeArrowheads="1"/>
-          </p:cNvPicPr>
-          <p:nvPr/>
-        </p:nvPicPr>
-        <p:blipFill>
-          <a:blip r:embed="rId5">
-            <a:extLst>
-              <a:ext uri="{28A0092B-C50C-407E-A947-70E740481C1C}">
-                <a14:useLocalDpi xmlns:a14="http://schemas.microsoft.com/office/drawing/2010/main" val="0"/>
-              </a:ext>
-            </a:extLst>
-          </a:blip>
-          <a:srcRect/>
-          <a:stretch>
-            <a:fillRect/>
-          </a:stretch>
-        </p:blipFill>
-        <p:spPr bwMode="auto">
-          <a:xfrm>
-            <a:off x="0" y="3429000"/>
-            <a:ext cx="2619375" cy="1743075"/>
-          </a:xfrm>
-          <a:prstGeom prst="rect">
-            <a:avLst/>
-          </a:prstGeom>
-          <a:noFill/>
-          <a:extLst>
-            <a:ext uri="{909E8E84-426E-40DD-AFC4-6F175D3DCCD1}">
-              <a14:hiddenFill xmlns:a14="http://schemas.microsoft.com/office/drawing/2010/main">
-                <a:solidFill>
-                  <a:srgbClr val="FFFFFF"/>
-                </a:solidFill>
-              </a14:hiddenFill>
-            </a:ext>
-          </a:extLst>
-        </p:spPr>
-      </p:pic>
-      <p:pic>
-        <p:nvPicPr>
-          <p:cNvPr id="3084" name="Picture 12" descr="Природа Красноярского края | Животный мир и природа Красноярского края">
-            <a:extLst>
-              <a:ext uri="{FF2B5EF4-FFF2-40B4-BE49-F238E27FC236}">
-                <a16:creationId xmlns:a16="http://schemas.microsoft.com/office/drawing/2014/main" id="{6C2A7023-31E2-4C0E-BE52-DDBA98EBC644}"/>
-              </a:ext>
-            </a:extLst>
-          </p:cNvPr>
-          <p:cNvPicPr>
-            <a:picLocks noChangeAspect="1" noChangeArrowheads="1"/>
-          </p:cNvPicPr>
-          <p:nvPr/>
-        </p:nvPicPr>
-        <p:blipFill>
-          <a:blip r:embed="rId6">
-            <a:extLst>
-              <a:ext uri="{28A0092B-C50C-407E-A947-70E740481C1C}">
-                <a14:useLocalDpi xmlns:a14="http://schemas.microsoft.com/office/drawing/2010/main" val="0"/>
-              </a:ext>
-            </a:extLst>
-          </a:blip>
-          <a:srcRect/>
-          <a:stretch>
-            <a:fillRect/>
-          </a:stretch>
-        </p:blipFill>
-        <p:spPr bwMode="auto">
-          <a:xfrm>
-            <a:off x="2562225" y="3543567"/>
-            <a:ext cx="2619375" cy="1743075"/>
-          </a:xfrm>
-          <a:prstGeom prst="rect">
-            <a:avLst/>
-          </a:prstGeom>
-          <a:noFill/>
-          <a:extLst>
-            <a:ext uri="{909E8E84-426E-40DD-AFC4-6F175D3DCCD1}">
-              <a14:hiddenFill xmlns:a14="http://schemas.microsoft.com/office/drawing/2010/main">
-                <a:solidFill>
-                  <a:srgbClr val="FFFFFF"/>
-                </a:solidFill>
-              </a14:hiddenFill>
-            </a:ext>
-          </a:extLst>
-        </p:spPr>
-      </p:pic>
-      <p:pic>
-        <p:nvPicPr>
-          <p:cNvPr id="3086" name="Picture 14" descr="Красноярская природа - фото">
-            <a:extLst>
-              <a:ext uri="{FF2B5EF4-FFF2-40B4-BE49-F238E27FC236}">
-                <a16:creationId xmlns:a16="http://schemas.microsoft.com/office/drawing/2014/main" id="{EB37645C-5079-4C05-8224-600B8C06634D}"/>
-              </a:ext>
-            </a:extLst>
-          </p:cNvPr>
-          <p:cNvPicPr>
-            <a:picLocks noChangeAspect="1" noChangeArrowheads="1"/>
-          </p:cNvPicPr>
-          <p:nvPr/>
-        </p:nvPicPr>
-        <p:blipFill>
-          <a:blip r:embed="rId7">
-            <a:extLst>
-              <a:ext uri="{28A0092B-C50C-407E-A947-70E740481C1C}">
-                <a14:useLocalDpi xmlns:a14="http://schemas.microsoft.com/office/drawing/2010/main" val="0"/>
-              </a:ext>
-            </a:extLst>
-          </a:blip>
-          <a:srcRect/>
-          <a:stretch>
-            <a:fillRect/>
-          </a:stretch>
-        </p:blipFill>
-        <p:spPr bwMode="auto">
-          <a:xfrm>
-            <a:off x="7483475" y="4856425"/>
-            <a:ext cx="2857500" cy="1972733"/>
-          </a:xfrm>
-          <a:prstGeom prst="rect">
-            <a:avLst/>
-          </a:prstGeom>
-          <a:noFill/>
-          <a:extLst>
-            <a:ext uri="{909E8E84-426E-40DD-AFC4-6F175D3DCCD1}">
-              <a14:hiddenFill xmlns:a14="http://schemas.microsoft.com/office/drawing/2010/main">
-                <a:solidFill>
-                  <a:srgbClr val="FFFFFF"/>
-                </a:solidFill>
-              </a14:hiddenFill>
-            </a:ext>
-          </a:extLst>
-        </p:spPr>
-      </p:pic>
-      <p:pic>
-        <p:nvPicPr>
-          <p:cNvPr id="3088" name="Picture 16" descr="Природа, растения и животные Красноярского края">
-            <a:extLst>
-              <a:ext uri="{FF2B5EF4-FFF2-40B4-BE49-F238E27FC236}">
-                <a16:creationId xmlns:a16="http://schemas.microsoft.com/office/drawing/2014/main" id="{7D2F7C9F-D4C0-4BAA-A012-25B761837500}"/>
-              </a:ext>
-            </a:extLst>
-          </p:cNvPr>
-          <p:cNvPicPr>
-            <a:picLocks noChangeAspect="1" noChangeArrowheads="1"/>
-          </p:cNvPicPr>
-          <p:nvPr/>
-        </p:nvPicPr>
-        <p:blipFill>
-          <a:blip r:embed="rId8">
-            <a:extLst>
-              <a:ext uri="{28A0092B-C50C-407E-A947-70E740481C1C}">
-                <a14:useLocalDpi xmlns:a14="http://schemas.microsoft.com/office/drawing/2010/main" val="0"/>
-              </a:ext>
-            </a:extLst>
-          </a:blip>
-          <a:srcRect/>
-          <a:stretch>
-            <a:fillRect/>
-          </a:stretch>
-        </p:blipFill>
-        <p:spPr bwMode="auto">
-          <a:xfrm>
-            <a:off x="10170055" y="4365358"/>
-            <a:ext cx="1970616" cy="2463800"/>
-          </a:xfrm>
-          <a:prstGeom prst="rect">
-            <a:avLst/>
-          </a:prstGeom>
-          <a:noFill/>
-          <a:extLst>
-            <a:ext uri="{909E8E84-426E-40DD-AFC4-6F175D3DCCD1}">
-              <a14:hiddenFill xmlns:a14="http://schemas.microsoft.com/office/drawing/2010/main">
-                <a:solidFill>
-                  <a:srgbClr val="FFFFFF"/>
-                </a:solidFill>
-              </a14:hiddenFill>
-            </a:ext>
-          </a:extLst>
-        </p:spPr>
-      </p:pic>
-      <p:pic>
-        <p:nvPicPr>
-          <p:cNvPr id="3090" name="Picture 18" descr="Природные экскурсии в Красноярске">
-            <a:extLst>
-              <a:ext uri="{FF2B5EF4-FFF2-40B4-BE49-F238E27FC236}">
-                <a16:creationId xmlns:a16="http://schemas.microsoft.com/office/drawing/2014/main" id="{0450E908-3AD6-4416-8902-CE271C839EEC}"/>
-              </a:ext>
-            </a:extLst>
-          </p:cNvPr>
-          <p:cNvPicPr>
-            <a:picLocks noChangeAspect="1" noChangeArrowheads="1"/>
-          </p:cNvPicPr>
-          <p:nvPr/>
-        </p:nvPicPr>
-        <p:blipFill>
-          <a:blip r:embed="rId9">
-            <a:extLst>
-              <a:ext uri="{28A0092B-C50C-407E-A947-70E740481C1C}">
-                <a14:useLocalDpi xmlns:a14="http://schemas.microsoft.com/office/drawing/2010/main" val="0"/>
-              </a:ext>
-            </a:extLst>
-          </a:blip>
-          <a:srcRect/>
-          <a:stretch>
-            <a:fillRect/>
-          </a:stretch>
-        </p:blipFill>
-        <p:spPr bwMode="auto">
-          <a:xfrm>
-            <a:off x="5129742" y="1943368"/>
-            <a:ext cx="5040312" cy="2941900"/>
-          </a:xfrm>
-          <a:prstGeom prst="rect">
-            <a:avLst/>
-          </a:prstGeom>
-          <a:noFill/>
-          <a:extLst>
-            <a:ext uri="{909E8E84-426E-40DD-AFC4-6F175D3DCCD1}">
-              <a14:hiddenFill xmlns:a14="http://schemas.microsoft.com/office/drawing/2010/main">
-                <a:solidFill>
-                  <a:srgbClr val="FFFFFF"/>
-                </a:solidFill>
-              </a14:hiddenFill>
-            </a:ext>
-          </a:extLst>
-        </p:spPr>
-      </p:pic>
-      <p:pic>
-        <p:nvPicPr>
-          <p:cNvPr id="3092" name="Picture 20" descr="Красноярская ГЭС. Россия, Красноярский край, Дивногорск - «Красноярская ГЭС  - это то, ради чего можно поехать в Сибирь» | отзывы">
-            <a:extLst>
-              <a:ext uri="{FF2B5EF4-FFF2-40B4-BE49-F238E27FC236}">
-                <a16:creationId xmlns:a16="http://schemas.microsoft.com/office/drawing/2014/main" id="{8A2F673E-6CDF-4A3A-9EFF-D92A78166903}"/>
-              </a:ext>
-            </a:extLst>
-          </p:cNvPr>
-          <p:cNvPicPr>
-            <a:picLocks noChangeAspect="1" noChangeArrowheads="1"/>
-          </p:cNvPicPr>
-          <p:nvPr/>
-        </p:nvPicPr>
-        <p:blipFill>
-          <a:blip r:embed="rId10">
-            <a:extLst>
-              <a:ext uri="{28A0092B-C50C-407E-A947-70E740481C1C}">
-                <a14:useLocalDpi xmlns:a14="http://schemas.microsoft.com/office/drawing/2010/main" val="0"/>
-              </a:ext>
-            </a:extLst>
-          </a:blip>
-          <a:srcRect/>
-          <a:stretch>
-            <a:fillRect/>
-          </a:stretch>
-        </p:blipFill>
-        <p:spPr bwMode="auto">
-          <a:xfrm>
-            <a:off x="9778206" y="2082800"/>
-            <a:ext cx="2413794" cy="2267677"/>
-          </a:xfrm>
-          <a:prstGeom prst="rect">
-            <a:avLst/>
-          </a:prstGeom>
-          <a:noFill/>
-          <a:extLst>
-            <a:ext uri="{909E8E84-426E-40DD-AFC4-6F175D3DCCD1}">
-              <a14:hiddenFill xmlns:a14="http://schemas.microsoft.com/office/drawing/2010/main">
-                <a:solidFill>
-                  <a:srgbClr val="FFFFFF"/>
-                </a:solidFill>
-              </a14:hiddenFill>
-            </a:ext>
-          </a:extLst>
-        </p:spPr>
-      </p:pic>
-      <p:pic>
-        <p:nvPicPr>
-          <p:cNvPr id="3094" name="Picture 22" descr="25 лучших достопримечательностей Красноярского края - описание и фото">
-            <a:extLst>
-              <a:ext uri="{FF2B5EF4-FFF2-40B4-BE49-F238E27FC236}">
-                <a16:creationId xmlns:a16="http://schemas.microsoft.com/office/drawing/2014/main" id="{8158D020-00A7-4A8C-BDA8-E5CFD3E6FEAA}"/>
-              </a:ext>
-            </a:extLst>
-          </p:cNvPr>
-          <p:cNvPicPr>
-            <a:picLocks noChangeAspect="1" noChangeArrowheads="1"/>
-          </p:cNvPicPr>
-          <p:nvPr/>
-        </p:nvPicPr>
-        <p:blipFill>
-          <a:blip r:embed="rId11">
-            <a:extLst>
-              <a:ext uri="{28A0092B-C50C-407E-A947-70E740481C1C}">
-                <a14:useLocalDpi xmlns:a14="http://schemas.microsoft.com/office/drawing/2010/main" val="0"/>
-              </a:ext>
-            </a:extLst>
-          </a:blip>
-          <a:srcRect/>
-          <a:stretch>
-            <a:fillRect/>
-          </a:stretch>
-        </p:blipFill>
-        <p:spPr bwMode="auto">
-          <a:xfrm>
-            <a:off x="0" y="1326621"/>
-            <a:ext cx="5129741" cy="2216945"/>
-          </a:xfrm>
-          <a:prstGeom prst="rect">
-            <a:avLst/>
-          </a:prstGeom>
-          <a:noFill/>
-          <a:extLst>
-            <a:ext uri="{909E8E84-426E-40DD-AFC4-6F175D3DCCD1}">
-              <a14:hiddenFill xmlns:a14="http://schemas.microsoft.com/office/drawing/2010/main">
-                <a:solidFill>
-                  <a:srgbClr val="FFFFFF"/>
-                </a:solidFill>
-              </a14:hiddenFill>
-            </a:ext>
-          </a:extLst>
-        </p:spPr>
-      </p:pic>
-    </p:spTree>
-    <p:extLst>
-      <p:ext uri="{BB962C8B-B14F-4D97-AF65-F5344CB8AC3E}">
-        <p14:creationId xmlns:p14="http://schemas.microsoft.com/office/powerpoint/2010/main" val="2366181987"/>
-      </p:ext>
-    </p:extLst>
-  </p:cSld>
-  <p:clrMapOvr>
-    <a:masterClrMapping/>
-  </p:clrMapOvr>
-</p:sld>
-</file>
-
-<file path=ppt/slides/slide4.xml><?xml version="1.0" encoding="utf-8"?>
-<p:sld xmlns:a="http://schemas.openxmlformats.org/drawingml/2006/main" xmlns:r="http://schemas.openxmlformats.org/officeDocument/2006/relationships" xmlns:p="http://schemas.openxmlformats.org/presentationml/2006/main">
-  <p:cSld>
+    <p:bg>
+      <p:bgPr>
+        <a:gradFill>
+          <a:gsLst>
+            <a:gs pos="0">
+              <a:schemeClr val="accent1">
+                <a:lumMod val="5000"/>
+                <a:lumOff val="95000"/>
+              </a:schemeClr>
+            </a:gs>
+            <a:gs pos="74000">
+              <a:schemeClr val="accent1">
+                <a:lumMod val="45000"/>
+                <a:lumOff val="55000"/>
+              </a:schemeClr>
+            </a:gs>
+            <a:gs pos="83000">
+              <a:schemeClr val="accent1">
+                <a:lumMod val="45000"/>
+                <a:lumOff val="55000"/>
+              </a:schemeClr>
+            </a:gs>
+            <a:gs pos="100000">
+              <a:schemeClr val="accent1">
+                <a:lumMod val="30000"/>
+                <a:lumOff val="70000"/>
+              </a:schemeClr>
+            </a:gs>
+          </a:gsLst>
+          <a:lin ang="5400000" scaled="1"/>
+        </a:gradFill>
+        <a:effectLst/>
+      </p:bgPr>
+    </p:bg>
     <p:spTree>
       <p:nvGrpSpPr>
         <p:cNvPr id="1" name=""/>
@@ -4653,9 +5156,43 @@
 </p:sld>
 </file>
 
-<file path=ppt/slides/slide5.xml><?xml version="1.0" encoding="utf-8"?>
+<file path=ppt/slides/slide7.xml><?xml version="1.0" encoding="utf-8"?>
 <p:sld xmlns:a="http://schemas.openxmlformats.org/drawingml/2006/main" xmlns:r="http://schemas.openxmlformats.org/officeDocument/2006/relationships" xmlns:p="http://schemas.openxmlformats.org/presentationml/2006/main">
   <p:cSld>
+    <p:bg>
+      <p:bgPr>
+        <a:gradFill>
+          <a:gsLst>
+            <a:gs pos="0">
+              <a:schemeClr val="accent1">
+                <a:lumMod val="5000"/>
+                <a:lumOff val="95000"/>
+              </a:schemeClr>
+            </a:gs>
+            <a:gs pos="74000">
+              <a:schemeClr val="accent1">
+                <a:lumMod val="45000"/>
+                <a:lumOff val="55000"/>
+              </a:schemeClr>
+            </a:gs>
+            <a:gs pos="83000">
+              <a:schemeClr val="accent1">
+                <a:lumMod val="45000"/>
+                <a:lumOff val="55000"/>
+              </a:schemeClr>
+            </a:gs>
+            <a:gs pos="100000">
+              <a:schemeClr val="accent1">
+                <a:lumMod val="30000"/>
+                <a:lumOff val="70000"/>
+              </a:schemeClr>
+            </a:gs>
+          </a:gsLst>
+          <a:lin ang="5400000" scaled="1"/>
+        </a:gradFill>
+        <a:effectLst/>
+      </p:bgPr>
+    </p:bg>
     <p:spTree>
       <p:nvGrpSpPr>
         <p:cNvPr id="1" name=""/>
@@ -4806,9 +5343,43 @@
 </p:sld>
 </file>
 
-<file path=ppt/slides/slide6.xml><?xml version="1.0" encoding="utf-8"?>
+<file path=ppt/slides/slide8.xml><?xml version="1.0" encoding="utf-8"?>
 <p:sld xmlns:a="http://schemas.openxmlformats.org/drawingml/2006/main" xmlns:r="http://schemas.openxmlformats.org/officeDocument/2006/relationships" xmlns:p="http://schemas.openxmlformats.org/presentationml/2006/main">
   <p:cSld>
+    <p:bg>
+      <p:bgPr>
+        <a:gradFill>
+          <a:gsLst>
+            <a:gs pos="0">
+              <a:schemeClr val="accent1">
+                <a:lumMod val="5000"/>
+                <a:lumOff val="95000"/>
+              </a:schemeClr>
+            </a:gs>
+            <a:gs pos="74000">
+              <a:schemeClr val="accent1">
+                <a:lumMod val="45000"/>
+                <a:lumOff val="55000"/>
+              </a:schemeClr>
+            </a:gs>
+            <a:gs pos="83000">
+              <a:schemeClr val="accent1">
+                <a:lumMod val="45000"/>
+                <a:lumOff val="55000"/>
+              </a:schemeClr>
+            </a:gs>
+            <a:gs pos="100000">
+              <a:schemeClr val="accent1">
+                <a:lumMod val="30000"/>
+                <a:lumOff val="70000"/>
+              </a:schemeClr>
+            </a:gs>
+          </a:gsLst>
+          <a:lin ang="5400000" scaled="1"/>
+        </a:gradFill>
+        <a:effectLst/>
+      </p:bgPr>
+    </p:bg>
     <p:spTree>
       <p:nvGrpSpPr>
         <p:cNvPr id="1" name=""/>

--- a/src/main/resources/Кирильчика Алексея.pptx
+++ b/src/main/resources/Кирильчика Алексея.pptx
@@ -7,12 +7,13 @@
   <p:sldIdLst>
     <p:sldId id="256" r:id="rId2"/>
     <p:sldId id="262" r:id="rId3"/>
-    <p:sldId id="263" r:id="rId4"/>
-    <p:sldId id="258" r:id="rId5"/>
-    <p:sldId id="257" r:id="rId6"/>
-    <p:sldId id="259" r:id="rId7"/>
-    <p:sldId id="260" r:id="rId8"/>
-    <p:sldId id="261" r:id="rId9"/>
+    <p:sldId id="264" r:id="rId4"/>
+    <p:sldId id="263" r:id="rId5"/>
+    <p:sldId id="258" r:id="rId6"/>
+    <p:sldId id="257" r:id="rId7"/>
+    <p:sldId id="259" r:id="rId8"/>
+    <p:sldId id="260" r:id="rId9"/>
+    <p:sldId id="261" r:id="rId10"/>
   </p:sldIdLst>
   <p:sldSz cx="12192000" cy="6858000"/>
   <p:notesSz cx="6858000" cy="9144000"/>
@@ -266,7 +267,7 @@
           <a:p>
             <a:fld id="{E80D554E-3BFC-44EF-87C5-C272E23A45CB}" type="datetimeFigureOut">
               <a:rPr lang="ru-RU" smtClean="0"/>
-              <a:t>24.09.2025</a:t>
+              <a:t>25.09.2025</a:t>
             </a:fld>
             <a:endParaRPr lang="ru-RU"/>
           </a:p>
@@ -464,7 +465,7 @@
           <a:p>
             <a:fld id="{E80D554E-3BFC-44EF-87C5-C272E23A45CB}" type="datetimeFigureOut">
               <a:rPr lang="ru-RU" smtClean="0"/>
-              <a:t>24.09.2025</a:t>
+              <a:t>25.09.2025</a:t>
             </a:fld>
             <a:endParaRPr lang="ru-RU"/>
           </a:p>
@@ -672,7 +673,7 @@
           <a:p>
             <a:fld id="{E80D554E-3BFC-44EF-87C5-C272E23A45CB}" type="datetimeFigureOut">
               <a:rPr lang="ru-RU" smtClean="0"/>
-              <a:t>24.09.2025</a:t>
+              <a:t>25.09.2025</a:t>
             </a:fld>
             <a:endParaRPr lang="ru-RU"/>
           </a:p>
@@ -870,7 +871,7 @@
           <a:p>
             <a:fld id="{E80D554E-3BFC-44EF-87C5-C272E23A45CB}" type="datetimeFigureOut">
               <a:rPr lang="ru-RU" smtClean="0"/>
-              <a:t>24.09.2025</a:t>
+              <a:t>25.09.2025</a:t>
             </a:fld>
             <a:endParaRPr lang="ru-RU"/>
           </a:p>
@@ -1145,7 +1146,7 @@
           <a:p>
             <a:fld id="{E80D554E-3BFC-44EF-87C5-C272E23A45CB}" type="datetimeFigureOut">
               <a:rPr lang="ru-RU" smtClean="0"/>
-              <a:t>24.09.2025</a:t>
+              <a:t>25.09.2025</a:t>
             </a:fld>
             <a:endParaRPr lang="ru-RU"/>
           </a:p>
@@ -1410,7 +1411,7 @@
           <a:p>
             <a:fld id="{E80D554E-3BFC-44EF-87C5-C272E23A45CB}" type="datetimeFigureOut">
               <a:rPr lang="ru-RU" smtClean="0"/>
-              <a:t>24.09.2025</a:t>
+              <a:t>25.09.2025</a:t>
             </a:fld>
             <a:endParaRPr lang="ru-RU"/>
           </a:p>
@@ -1822,7 +1823,7 @@
           <a:p>
             <a:fld id="{E80D554E-3BFC-44EF-87C5-C272E23A45CB}" type="datetimeFigureOut">
               <a:rPr lang="ru-RU" smtClean="0"/>
-              <a:t>24.09.2025</a:t>
+              <a:t>25.09.2025</a:t>
             </a:fld>
             <a:endParaRPr lang="ru-RU"/>
           </a:p>
@@ -1963,7 +1964,7 @@
           <a:p>
             <a:fld id="{E80D554E-3BFC-44EF-87C5-C272E23A45CB}" type="datetimeFigureOut">
               <a:rPr lang="ru-RU" smtClean="0"/>
-              <a:t>24.09.2025</a:t>
+              <a:t>25.09.2025</a:t>
             </a:fld>
             <a:endParaRPr lang="ru-RU"/>
           </a:p>
@@ -2076,7 +2077,7 @@
           <a:p>
             <a:fld id="{E80D554E-3BFC-44EF-87C5-C272E23A45CB}" type="datetimeFigureOut">
               <a:rPr lang="ru-RU" smtClean="0"/>
-              <a:t>24.09.2025</a:t>
+              <a:t>25.09.2025</a:t>
             </a:fld>
             <a:endParaRPr lang="ru-RU"/>
           </a:p>
@@ -2387,7 +2388,7 @@
           <a:p>
             <a:fld id="{E80D554E-3BFC-44EF-87C5-C272E23A45CB}" type="datetimeFigureOut">
               <a:rPr lang="ru-RU" smtClean="0"/>
-              <a:t>24.09.2025</a:t>
+              <a:t>25.09.2025</a:t>
             </a:fld>
             <a:endParaRPr lang="ru-RU"/>
           </a:p>
@@ -2675,7 +2676,7 @@
           <a:p>
             <a:fld id="{E80D554E-3BFC-44EF-87C5-C272E23A45CB}" type="datetimeFigureOut">
               <a:rPr lang="ru-RU" smtClean="0"/>
-              <a:t>24.09.2025</a:t>
+              <a:t>25.09.2025</a:t>
             </a:fld>
             <a:endParaRPr lang="ru-RU"/>
           </a:p>
@@ -2916,7 +2917,7 @@
           <a:p>
             <a:fld id="{E80D554E-3BFC-44EF-87C5-C272E23A45CB}" type="datetimeFigureOut">
               <a:rPr lang="ru-RU" smtClean="0"/>
-              <a:t>24.09.2025</a:t>
+              <a:t>25.09.2025</a:t>
             </a:fld>
             <a:endParaRPr lang="ru-RU"/>
           </a:p>
@@ -3566,43 +3567,61 @@
             <p:ph type="title"/>
           </p:nvPr>
         </p:nvSpPr>
+        <p:spPr>
+          <a:xfrm>
+            <a:off x="838200" y="365125"/>
+            <a:ext cx="10515600" cy="1325563"/>
+          </a:xfrm>
+        </p:spPr>
+        <p:txBody>
+          <a:bodyPr>
+            <a:normAutofit fontScale="90000"/>
+          </a:bodyPr>
+          <a:lstStyle/>
+          <a:p>
+            <a:r>
+              <a:rPr lang="ru-RU" dirty="0"/>
+              <a:t>                                    </a:t>
+            </a:r>
+            <a:r>
+              <a:rPr lang="ru-RU" b="0" i="0" dirty="0">
+                <a:solidFill>
+                  <a:srgbClr val="474747"/>
+                </a:solidFill>
+                <a:effectLst/>
+                <a:latin typeface="Google Sans"/>
+              </a:rPr>
+              <a:t>Описание и обоснование символики Лев символизирует власть, отвагу, храбрость и великодушие, лопата и серп — символы плодородия и богатства недр, лазоревый столб символизирует реку Енисей, а кедровая ветвь — символ Сибири.</a:t>
+            </a:r>
+            <a:r>
+              <a:rPr lang="ru-RU" dirty="0"/>
+              <a:t> </a:t>
+            </a:r>
+          </a:p>
+        </p:txBody>
+      </p:sp>
+      <p:sp>
+        <p:nvSpPr>
+          <p:cNvPr id="5" name="Объект 4">
+            <a:extLst>
+              <a:ext uri="{FF2B5EF4-FFF2-40B4-BE49-F238E27FC236}">
+                <a16:creationId xmlns:a16="http://schemas.microsoft.com/office/drawing/2014/main" id="{96C141CE-BB89-47C9-8936-81A85B024707}"/>
+              </a:ext>
+            </a:extLst>
+          </p:cNvPr>
+          <p:cNvSpPr>
+            <a:spLocks noGrp="1"/>
+          </p:cNvSpPr>
+          <p:nvPr>
+            <p:ph idx="1"/>
+          </p:nvPr>
+        </p:nvSpPr>
         <p:spPr/>
         <p:txBody>
           <a:bodyPr/>
           <a:lstStyle/>
           <a:p>
-            <a:r>
-              <a:rPr lang="ru-RU" dirty="0"/>
-              <a:t>                                     ГЕРБ</a:t>
-            </a:r>
-          </a:p>
-        </p:txBody>
-      </p:sp>
-      <p:sp>
-        <p:nvSpPr>
-          <p:cNvPr id="3" name="Объект 2">
-            <a:extLst>
-              <a:ext uri="{FF2B5EF4-FFF2-40B4-BE49-F238E27FC236}">
-                <a16:creationId xmlns:a16="http://schemas.microsoft.com/office/drawing/2014/main" id="{4AF19386-9F86-4ACC-A27B-FE5E65C7FCE1}"/>
-              </a:ext>
-            </a:extLst>
-          </p:cNvPr>
-          <p:cNvSpPr>
-            <a:spLocks noGrp="1"/>
-          </p:cNvSpPr>
-          <p:nvPr>
-            <p:ph idx="1"/>
-          </p:nvPr>
-        </p:nvSpPr>
-        <p:spPr/>
-        <p:txBody>
-          <a:bodyPr/>
-          <a:lstStyle/>
-          <a:p>
-            <a:r>
-              <a:rPr lang="ru-RU" dirty="0"/>
-              <a:t>ГЕРБ КРАСНОЯРСКОГО КРАЯ                 ФЛАГ  КРАСНОЯРСККОГО края</a:t>
-            </a:r>
+            <a:endParaRPr lang="ru-RU" dirty="0"/>
           </a:p>
         </p:txBody>
       </p:sp>
@@ -3635,55 +3654,8 @@
         </p:blipFill>
         <p:spPr bwMode="auto">
           <a:xfrm>
-            <a:off x="1045632" y="2506134"/>
+            <a:off x="4544483" y="2652977"/>
             <a:ext cx="3272367" cy="2851150"/>
-          </a:xfrm>
-          <a:prstGeom prst="rect">
-            <a:avLst/>
-          </a:prstGeom>
-          <a:noFill/>
-          <a:extLst>
-            <a:ext uri="{909E8E84-426E-40DD-AFC4-6F175D3DCCD1}">
-              <a14:hiddenFill xmlns:a14="http://schemas.microsoft.com/office/drawing/2010/main">
-                <a:solidFill>
-                  <a:srgbClr val="FFFFFF"/>
-                </a:solidFill>
-              </a14:hiddenFill>
-            </a:ext>
-          </a:extLst>
-        </p:spPr>
-      </p:pic>
-      <p:pic>
-        <p:nvPicPr>
-          <p:cNvPr id="1030" name="Picture 6" descr="Флаг Красноярска — Википедия">
-            <a:extLst>
-              <a:ext uri="{FF2B5EF4-FFF2-40B4-BE49-F238E27FC236}">
-                <a16:creationId xmlns:a16="http://schemas.microsoft.com/office/drawing/2014/main" id="{809317E0-86A3-421A-9EEA-49B241B3EAD7}"/>
-              </a:ext>
-            </a:extLst>
-          </p:cNvPr>
-          <p:cNvPicPr>
-            <a:picLocks noChangeAspect="1" noChangeArrowheads="1"/>
-          </p:cNvPicPr>
-          <p:nvPr/>
-        </p:nvPicPr>
-        <p:blipFill>
-          <a:blip r:embed="rId3">
-            <a:extLst>
-              <a:ext uri="{28A0092B-C50C-407E-A947-70E740481C1C}">
-                <a14:useLocalDpi xmlns:a14="http://schemas.microsoft.com/office/drawing/2010/main" val="0"/>
-              </a:ext>
-            </a:extLst>
-          </a:blip>
-          <a:srcRect/>
-          <a:stretch>
-            <a:fillRect/>
-          </a:stretch>
-        </p:blipFill>
-        <p:spPr bwMode="auto">
-          <a:xfrm>
-            <a:off x="7611533" y="2679700"/>
-            <a:ext cx="2946400" cy="2504017"/>
           </a:xfrm>
           <a:prstGeom prst="rect">
             <a:avLst/>
@@ -3735,6 +3707,214 @@
           <p:cNvPr id="2" name="Заголовок 1">
             <a:extLst>
               <a:ext uri="{FF2B5EF4-FFF2-40B4-BE49-F238E27FC236}">
+                <a16:creationId xmlns:a16="http://schemas.microsoft.com/office/drawing/2014/main" id="{53119FEB-F084-41ED-ADA8-22433B3311DE}"/>
+              </a:ext>
+            </a:extLst>
+          </p:cNvPr>
+          <p:cNvSpPr>
+            <a:spLocks noGrp="1"/>
+          </p:cNvSpPr>
+          <p:nvPr>
+            <p:ph type="title"/>
+          </p:nvPr>
+        </p:nvSpPr>
+        <p:spPr/>
+        <p:txBody>
+          <a:bodyPr/>
+          <a:lstStyle/>
+          <a:p>
+            <a:r>
+              <a:rPr lang="en-US" dirty="0"/>
+              <a:t> </a:t>
+            </a:r>
+            <a:r>
+              <a:rPr lang="ru-RU" dirty="0"/>
+              <a:t>                                   ФЛАГ</a:t>
+            </a:r>
+          </a:p>
+        </p:txBody>
+      </p:sp>
+      <p:sp>
+        <p:nvSpPr>
+          <p:cNvPr id="3" name="Объект 2">
+            <a:extLst>
+              <a:ext uri="{FF2B5EF4-FFF2-40B4-BE49-F238E27FC236}">
+                <a16:creationId xmlns:a16="http://schemas.microsoft.com/office/drawing/2014/main" id="{F85C3CAA-CDF9-45A1-B5FC-4852C6C953BC}"/>
+              </a:ext>
+            </a:extLst>
+          </p:cNvPr>
+          <p:cNvSpPr>
+            <a:spLocks noGrp="1"/>
+          </p:cNvSpPr>
+          <p:nvPr>
+            <p:ph idx="1"/>
+          </p:nvPr>
+        </p:nvSpPr>
+        <p:spPr>
+          <a:xfrm>
+            <a:off x="643466" y="1690688"/>
+            <a:ext cx="10515600" cy="4351338"/>
+          </a:xfrm>
+          <a:gradFill>
+            <a:gsLst>
+              <a:gs pos="0">
+                <a:schemeClr val="accent1">
+                  <a:lumMod val="5000"/>
+                  <a:lumOff val="95000"/>
+                </a:schemeClr>
+              </a:gs>
+              <a:gs pos="74000">
+                <a:schemeClr val="accent1">
+                  <a:lumMod val="45000"/>
+                  <a:lumOff val="55000"/>
+                </a:schemeClr>
+              </a:gs>
+              <a:gs pos="83000">
+                <a:schemeClr val="accent1">
+                  <a:lumMod val="45000"/>
+                  <a:lumOff val="55000"/>
+                </a:schemeClr>
+              </a:gs>
+              <a:gs pos="100000">
+                <a:schemeClr val="accent1">
+                  <a:lumMod val="30000"/>
+                  <a:lumOff val="70000"/>
+                </a:schemeClr>
+              </a:gs>
+            </a:gsLst>
+            <a:lin ang="5400000" scaled="1"/>
+          </a:gradFill>
+        </p:spPr>
+        <p:txBody>
+          <a:bodyPr/>
+          <a:lstStyle/>
+          <a:p>
+            <a:r>
+              <a:rPr lang="ru-RU" b="0" i="0" dirty="0">
+                <a:solidFill>
+                  <a:srgbClr val="040C28"/>
+                </a:solidFill>
+                <a:effectLst/>
+                <a:latin typeface="Google Sans"/>
+              </a:rPr>
+              <a:t>Лев символизирует силу, храбрость, гордость, великодушие, милосердие, отвагу, власть.</a:t>
+            </a:r>
+            <a:r>
+              <a:rPr lang="ru-RU" b="0" i="0" dirty="0">
+                <a:solidFill>
+                  <a:srgbClr val="474747"/>
+                </a:solidFill>
+                <a:effectLst/>
+                <a:latin typeface="Google Sans"/>
+              </a:rPr>
+              <a:t> </a:t>
+            </a:r>
+            <a:r>
+              <a:rPr lang="ru-RU" b="0" i="0" dirty="0">
+                <a:solidFill>
+                  <a:srgbClr val="040C28"/>
+                </a:solidFill>
+                <a:effectLst/>
+                <a:latin typeface="Google Sans"/>
+              </a:rPr>
+              <a:t>Заступ олицетворяет подземные богатства Красноярья, а серп - наземные</a:t>
+            </a:r>
+            <a:r>
+              <a:rPr lang="ru-RU" b="0" i="0" dirty="0">
+                <a:solidFill>
+                  <a:srgbClr val="474747"/>
+                </a:solidFill>
+                <a:effectLst/>
+                <a:latin typeface="Google Sans"/>
+              </a:rPr>
+              <a:t>.</a:t>
+            </a:r>
+            <a:endParaRPr lang="ru-RU" dirty="0"/>
+          </a:p>
+        </p:txBody>
+      </p:sp>
+      <p:pic>
+        <p:nvPicPr>
+          <p:cNvPr id="1028" name="Picture 4">
+            <a:extLst>
+              <a:ext uri="{FF2B5EF4-FFF2-40B4-BE49-F238E27FC236}">
+                <a16:creationId xmlns:a16="http://schemas.microsoft.com/office/drawing/2014/main" id="{8AB3432A-7DE8-42C7-ABD7-4E086C5264B2}"/>
+              </a:ext>
+            </a:extLst>
+          </p:cNvPr>
+          <p:cNvPicPr>
+            <a:picLocks noChangeAspect="1" noChangeArrowheads="1"/>
+          </p:cNvPicPr>
+          <p:nvPr/>
+        </p:nvPicPr>
+        <p:blipFill>
+          <a:blip r:embed="rId2">
+            <a:extLst>
+              <a:ext uri="{28A0092B-C50C-407E-A947-70E740481C1C}">
+                <a14:useLocalDpi xmlns:a14="http://schemas.microsoft.com/office/drawing/2010/main" val="0"/>
+              </a:ext>
+            </a:extLst>
+          </a:blip>
+          <a:srcRect/>
+          <a:stretch>
+            <a:fillRect/>
+          </a:stretch>
+        </p:blipFill>
+        <p:spPr bwMode="auto">
+          <a:xfrm>
+            <a:off x="3572933" y="2972859"/>
+            <a:ext cx="4487334" cy="3069167"/>
+          </a:xfrm>
+          <a:prstGeom prst="rect">
+            <a:avLst/>
+          </a:prstGeom>
+          <a:noFill/>
+          <a:extLst>
+            <a:ext uri="{909E8E84-426E-40DD-AFC4-6F175D3DCCD1}">
+              <a14:hiddenFill xmlns:a14="http://schemas.microsoft.com/office/drawing/2010/main">
+                <a:solidFill>
+                  <a:srgbClr val="FFFFFF"/>
+                </a:solidFill>
+              </a14:hiddenFill>
+            </a:ext>
+          </a:extLst>
+        </p:spPr>
+      </p:pic>
+    </p:spTree>
+    <p:extLst>
+      <p:ext uri="{BB962C8B-B14F-4D97-AF65-F5344CB8AC3E}">
+        <p14:creationId xmlns:p14="http://schemas.microsoft.com/office/powerpoint/2010/main" val="1884150338"/>
+      </p:ext>
+    </p:extLst>
+  </p:cSld>
+  <p:clrMapOvr>
+    <a:masterClrMapping/>
+  </p:clrMapOvr>
+</p:sld>
+</file>
+
+<file path=ppt/slides/slide4.xml><?xml version="1.0" encoding="utf-8"?>
+<p:sld xmlns:a="http://schemas.openxmlformats.org/drawingml/2006/main" xmlns:r="http://schemas.openxmlformats.org/officeDocument/2006/relationships" xmlns:p="http://schemas.openxmlformats.org/presentationml/2006/main">
+  <p:cSld>
+    <p:spTree>
+      <p:nvGrpSpPr>
+        <p:cNvPr id="1" name=""/>
+        <p:cNvGrpSpPr/>
+        <p:nvPr/>
+      </p:nvGrpSpPr>
+      <p:grpSpPr>
+        <a:xfrm>
+          <a:off x="0" y="0"/>
+          <a:ext cx="0" cy="0"/>
+          <a:chOff x="0" y="0"/>
+          <a:chExt cx="0" cy="0"/>
+        </a:xfrm>
+      </p:grpSpPr>
+      <p:sp>
+        <p:nvSpPr>
+          <p:cNvPr id="2" name="Заголовок 1">
+            <a:extLst>
+              <a:ext uri="{FF2B5EF4-FFF2-40B4-BE49-F238E27FC236}">
                 <a16:creationId xmlns:a16="http://schemas.microsoft.com/office/drawing/2014/main" id="{C691B8C9-37BA-4EA6-ADA2-CF9071E943C0}"/>
               </a:ext>
             </a:extLst>
@@ -3846,142 +4026,12 @@
           </a:p>
         </p:txBody>
       </p:sp>
-    </p:spTree>
-    <p:extLst>
-      <p:ext uri="{BB962C8B-B14F-4D97-AF65-F5344CB8AC3E}">
-        <p14:creationId xmlns:p14="http://schemas.microsoft.com/office/powerpoint/2010/main" val="2609346391"/>
-      </p:ext>
-    </p:extLst>
-  </p:cSld>
-  <p:clrMapOvr>
-    <a:masterClrMapping/>
-  </p:clrMapOvr>
-</p:sld>
-</file>
-
-<file path=ppt/slides/slide4.xml><?xml version="1.0" encoding="utf-8"?>
-<p:sld xmlns:a="http://schemas.openxmlformats.org/drawingml/2006/main" xmlns:r="http://schemas.openxmlformats.org/officeDocument/2006/relationships" xmlns:p="http://schemas.openxmlformats.org/presentationml/2006/main">
-  <p:cSld>
-    <p:bg>
-      <p:bgPr>
-        <a:gradFill>
-          <a:gsLst>
-            <a:gs pos="0">
-              <a:schemeClr val="accent1">
-                <a:lumMod val="5000"/>
-                <a:lumOff val="95000"/>
-              </a:schemeClr>
-            </a:gs>
-            <a:gs pos="74000">
-              <a:schemeClr val="accent1">
-                <a:lumMod val="45000"/>
-                <a:lumOff val="55000"/>
-              </a:schemeClr>
-            </a:gs>
-            <a:gs pos="83000">
-              <a:schemeClr val="accent1">
-                <a:lumMod val="45000"/>
-                <a:lumOff val="55000"/>
-              </a:schemeClr>
-            </a:gs>
-            <a:gs pos="100000">
-              <a:schemeClr val="accent1">
-                <a:lumMod val="30000"/>
-                <a:lumOff val="70000"/>
-              </a:schemeClr>
-            </a:gs>
-          </a:gsLst>
-          <a:lin ang="5400000" scaled="1"/>
-        </a:gradFill>
-        <a:effectLst/>
-      </p:bgPr>
-    </p:bg>
-    <p:spTree>
-      <p:nvGrpSpPr>
-        <p:cNvPr id="1" name=""/>
-        <p:cNvGrpSpPr/>
-        <p:nvPr/>
-      </p:nvGrpSpPr>
-      <p:grpSpPr>
-        <a:xfrm>
-          <a:off x="0" y="0"/>
-          <a:ext cx="0" cy="0"/>
-          <a:chOff x="0" y="0"/>
-          <a:chExt cx="0" cy="0"/>
-        </a:xfrm>
-      </p:grpSpPr>
-      <p:sp>
-        <p:nvSpPr>
-          <p:cNvPr id="2" name="Заголовок 1">
-            <a:extLst>
-              <a:ext uri="{FF2B5EF4-FFF2-40B4-BE49-F238E27FC236}">
-                <a16:creationId xmlns:a16="http://schemas.microsoft.com/office/drawing/2014/main" id="{AAE271CE-E0D1-4B6C-B4B6-FBB4F8B73E4B}"/>
-              </a:ext>
-            </a:extLst>
-          </p:cNvPr>
-          <p:cNvSpPr>
-            <a:spLocks noGrp="1"/>
-          </p:cNvSpPr>
-          <p:nvPr>
-            <p:ph type="title"/>
-          </p:nvPr>
-        </p:nvSpPr>
-        <p:spPr/>
-        <p:txBody>
-          <a:bodyPr/>
-          <a:lstStyle/>
-          <a:p>
-            <a:endParaRPr lang="ru-RU"/>
-          </a:p>
-        </p:txBody>
-      </p:sp>
-      <p:sp>
-        <p:nvSpPr>
-          <p:cNvPr id="3" name="Объект 2">
-            <a:extLst>
-              <a:ext uri="{FF2B5EF4-FFF2-40B4-BE49-F238E27FC236}">
-                <a16:creationId xmlns:a16="http://schemas.microsoft.com/office/drawing/2014/main" id="{AEEE0B09-9CAD-4EFB-A2BC-F455974A4654}"/>
-              </a:ext>
-            </a:extLst>
-          </p:cNvPr>
-          <p:cNvSpPr>
-            <a:spLocks noGrp="1"/>
-          </p:cNvSpPr>
-          <p:nvPr>
-            <p:ph idx="1"/>
-          </p:nvPr>
-        </p:nvSpPr>
-        <p:spPr>
-          <a:xfrm>
-            <a:off x="838200" y="477577"/>
-            <a:ext cx="10515600" cy="2463799"/>
-          </a:xfrm>
-        </p:spPr>
-        <p:txBody>
-          <a:bodyPr/>
-          <a:lstStyle/>
-          <a:p>
-            <a:r>
-              <a:rPr lang="ru-RU" dirty="0"/>
-              <a:t>Красноярский край славится своими горами лесами и природой. В Красноярском краю очень много животных</a:t>
-            </a:r>
-            <a:r>
-              <a:rPr lang="en-US" dirty="0"/>
-              <a:t>,</a:t>
-            </a:r>
-            <a:r>
-              <a:rPr lang="ru-RU" dirty="0"/>
-              <a:t> из красной книги.</a:t>
-            </a:r>
-          </a:p>
-        </p:txBody>
-      </p:sp>
       <p:pic>
         <p:nvPicPr>
-          <p:cNvPr id="3074" name="Picture 2" descr="Природа Красноярского края | Животный мир и природа Красноярского края">
-            <a:extLst>
-              <a:ext uri="{FF2B5EF4-FFF2-40B4-BE49-F238E27FC236}">
-                <a16:creationId xmlns:a16="http://schemas.microsoft.com/office/drawing/2014/main" id="{5620161B-7F4B-4160-8E0D-E249532879DD}"/>
+          <p:cNvPr id="2050" name="Picture 2" descr="Народы Красноярского края – список проживающих национальностей кратко с  описанием (3 класс, окружающий мир)">
+            <a:extLst>
+              <a:ext uri="{FF2B5EF4-FFF2-40B4-BE49-F238E27FC236}">
+                <a16:creationId xmlns:a16="http://schemas.microsoft.com/office/drawing/2014/main" id="{DA09BF2B-8A78-4014-A298-5CB6A0850A90}"/>
               </a:ext>
             </a:extLst>
           </p:cNvPr>
@@ -4005,8 +4055,8 @@
         </p:blipFill>
         <p:spPr bwMode="auto">
           <a:xfrm>
-            <a:off x="-252412" y="5162550"/>
-            <a:ext cx="2695575" cy="1695450"/>
+            <a:off x="838199" y="3428999"/>
+            <a:ext cx="4563534" cy="2747964"/>
           </a:xfrm>
           <a:prstGeom prst="rect">
             <a:avLst/>
@@ -4025,10 +4075,10 @@
       </p:pic>
       <p:pic>
         <p:nvPicPr>
-          <p:cNvPr id="3078" name="Picture 6" descr="Достопримечательности Красноярского края: лучшие места с фото, отзывами,  ценами, названиями и описаниями">
-            <a:extLst>
-              <a:ext uri="{FF2B5EF4-FFF2-40B4-BE49-F238E27FC236}">
-                <a16:creationId xmlns:a16="http://schemas.microsoft.com/office/drawing/2014/main" id="{49043703-08C1-4731-9A48-B0E829C58BFE}"/>
+          <p:cNvPr id="2052" name="Picture 4" descr="В Красноярском крае сократилось число национальностей">
+            <a:extLst>
+              <a:ext uri="{FF2B5EF4-FFF2-40B4-BE49-F238E27FC236}">
+                <a16:creationId xmlns:a16="http://schemas.microsoft.com/office/drawing/2014/main" id="{45006F57-2266-4366-A99D-3F07DAA85549}"/>
               </a:ext>
             </a:extLst>
           </p:cNvPr>
@@ -4052,384 +4102,8 @@
         </p:blipFill>
         <p:spPr bwMode="auto">
           <a:xfrm>
-            <a:off x="5129742" y="4885267"/>
-            <a:ext cx="2353733" cy="1972733"/>
-          </a:xfrm>
-          <a:prstGeom prst="rect">
-            <a:avLst/>
-          </a:prstGeom>
-          <a:noFill/>
-          <a:extLst>
-            <a:ext uri="{909E8E84-426E-40DD-AFC4-6F175D3DCCD1}">
-              <a14:hiddenFill xmlns:a14="http://schemas.microsoft.com/office/drawing/2010/main">
-                <a:solidFill>
-                  <a:srgbClr val="FFFFFF"/>
-                </a:solidFill>
-              </a14:hiddenFill>
-            </a:ext>
-          </a:extLst>
-        </p:spPr>
-      </p:pic>
-      <p:pic>
-        <p:nvPicPr>
-          <p:cNvPr id="3080" name="Picture 8" descr="Видеоролик о природе Красноярского Края. - YouTube">
-            <a:extLst>
-              <a:ext uri="{FF2B5EF4-FFF2-40B4-BE49-F238E27FC236}">
-                <a16:creationId xmlns:a16="http://schemas.microsoft.com/office/drawing/2014/main" id="{ABC724A1-461C-442F-921B-C6BE34D3E5BD}"/>
-              </a:ext>
-            </a:extLst>
-          </p:cNvPr>
-          <p:cNvPicPr>
-            <a:picLocks noChangeAspect="1" noChangeArrowheads="1"/>
-          </p:cNvPicPr>
-          <p:nvPr/>
-        </p:nvPicPr>
-        <p:blipFill>
-          <a:blip r:embed="rId4">
-            <a:extLst>
-              <a:ext uri="{28A0092B-C50C-407E-A947-70E740481C1C}">
-                <a14:useLocalDpi xmlns:a14="http://schemas.microsoft.com/office/drawing/2010/main" val="0"/>
-              </a:ext>
-            </a:extLst>
-          </a:blip>
-          <a:srcRect/>
-          <a:stretch>
-            <a:fillRect/>
-          </a:stretch>
-        </p:blipFill>
-        <p:spPr bwMode="auto">
-          <a:xfrm>
-            <a:off x="2417499" y="5286642"/>
-            <a:ext cx="2857500" cy="1600200"/>
-          </a:xfrm>
-          <a:prstGeom prst="rect">
-            <a:avLst/>
-          </a:prstGeom>
-          <a:noFill/>
-          <a:extLst>
-            <a:ext uri="{909E8E84-426E-40DD-AFC4-6F175D3DCCD1}">
-              <a14:hiddenFill xmlns:a14="http://schemas.microsoft.com/office/drawing/2010/main">
-                <a:solidFill>
-                  <a:srgbClr val="FFFFFF"/>
-                </a:solidFill>
-              </a14:hiddenFill>
-            </a:ext>
-          </a:extLst>
-        </p:spPr>
-      </p:pic>
-      <p:pic>
-        <p:nvPicPr>
-          <p:cNvPr id="3082" name="Picture 10" descr="Более 4 500 работ на тему «красноярский край»: стоковые фото, картинки и  изображения royalty-free - iStock">
-            <a:extLst>
-              <a:ext uri="{FF2B5EF4-FFF2-40B4-BE49-F238E27FC236}">
-                <a16:creationId xmlns:a16="http://schemas.microsoft.com/office/drawing/2014/main" id="{7BC440B2-3D51-4411-9AC3-537C1D39437B}"/>
-              </a:ext>
-            </a:extLst>
-          </p:cNvPr>
-          <p:cNvPicPr>
-            <a:picLocks noChangeAspect="1" noChangeArrowheads="1"/>
-          </p:cNvPicPr>
-          <p:nvPr/>
-        </p:nvPicPr>
-        <p:blipFill>
-          <a:blip r:embed="rId5">
-            <a:extLst>
-              <a:ext uri="{28A0092B-C50C-407E-A947-70E740481C1C}">
-                <a14:useLocalDpi xmlns:a14="http://schemas.microsoft.com/office/drawing/2010/main" val="0"/>
-              </a:ext>
-            </a:extLst>
-          </a:blip>
-          <a:srcRect/>
-          <a:stretch>
-            <a:fillRect/>
-          </a:stretch>
-        </p:blipFill>
-        <p:spPr bwMode="auto">
-          <a:xfrm>
-            <a:off x="0" y="3429000"/>
-            <a:ext cx="2619375" cy="1743075"/>
-          </a:xfrm>
-          <a:prstGeom prst="rect">
-            <a:avLst/>
-          </a:prstGeom>
-          <a:noFill/>
-          <a:extLst>
-            <a:ext uri="{909E8E84-426E-40DD-AFC4-6F175D3DCCD1}">
-              <a14:hiddenFill xmlns:a14="http://schemas.microsoft.com/office/drawing/2010/main">
-                <a:solidFill>
-                  <a:srgbClr val="FFFFFF"/>
-                </a:solidFill>
-              </a14:hiddenFill>
-            </a:ext>
-          </a:extLst>
-        </p:spPr>
-      </p:pic>
-      <p:pic>
-        <p:nvPicPr>
-          <p:cNvPr id="3084" name="Picture 12" descr="Природа Красноярского края | Животный мир и природа Красноярского края">
-            <a:extLst>
-              <a:ext uri="{FF2B5EF4-FFF2-40B4-BE49-F238E27FC236}">
-                <a16:creationId xmlns:a16="http://schemas.microsoft.com/office/drawing/2014/main" id="{6C2A7023-31E2-4C0E-BE52-DDBA98EBC644}"/>
-              </a:ext>
-            </a:extLst>
-          </p:cNvPr>
-          <p:cNvPicPr>
-            <a:picLocks noChangeAspect="1" noChangeArrowheads="1"/>
-          </p:cNvPicPr>
-          <p:nvPr/>
-        </p:nvPicPr>
-        <p:blipFill>
-          <a:blip r:embed="rId6">
-            <a:extLst>
-              <a:ext uri="{28A0092B-C50C-407E-A947-70E740481C1C}">
-                <a14:useLocalDpi xmlns:a14="http://schemas.microsoft.com/office/drawing/2010/main" val="0"/>
-              </a:ext>
-            </a:extLst>
-          </a:blip>
-          <a:srcRect/>
-          <a:stretch>
-            <a:fillRect/>
-          </a:stretch>
-        </p:blipFill>
-        <p:spPr bwMode="auto">
-          <a:xfrm>
-            <a:off x="2562225" y="3543567"/>
-            <a:ext cx="2619375" cy="1743075"/>
-          </a:xfrm>
-          <a:prstGeom prst="rect">
-            <a:avLst/>
-          </a:prstGeom>
-          <a:noFill/>
-          <a:extLst>
-            <a:ext uri="{909E8E84-426E-40DD-AFC4-6F175D3DCCD1}">
-              <a14:hiddenFill xmlns:a14="http://schemas.microsoft.com/office/drawing/2010/main">
-                <a:solidFill>
-                  <a:srgbClr val="FFFFFF"/>
-                </a:solidFill>
-              </a14:hiddenFill>
-            </a:ext>
-          </a:extLst>
-        </p:spPr>
-      </p:pic>
-      <p:pic>
-        <p:nvPicPr>
-          <p:cNvPr id="3086" name="Picture 14" descr="Красноярская природа - фото">
-            <a:extLst>
-              <a:ext uri="{FF2B5EF4-FFF2-40B4-BE49-F238E27FC236}">
-                <a16:creationId xmlns:a16="http://schemas.microsoft.com/office/drawing/2014/main" id="{EB37645C-5079-4C05-8224-600B8C06634D}"/>
-              </a:ext>
-            </a:extLst>
-          </p:cNvPr>
-          <p:cNvPicPr>
-            <a:picLocks noChangeAspect="1" noChangeArrowheads="1"/>
-          </p:cNvPicPr>
-          <p:nvPr/>
-        </p:nvPicPr>
-        <p:blipFill>
-          <a:blip r:embed="rId7">
-            <a:extLst>
-              <a:ext uri="{28A0092B-C50C-407E-A947-70E740481C1C}">
-                <a14:useLocalDpi xmlns:a14="http://schemas.microsoft.com/office/drawing/2010/main" val="0"/>
-              </a:ext>
-            </a:extLst>
-          </a:blip>
-          <a:srcRect/>
-          <a:stretch>
-            <a:fillRect/>
-          </a:stretch>
-        </p:blipFill>
-        <p:spPr bwMode="auto">
-          <a:xfrm>
-            <a:off x="7483475" y="4856425"/>
-            <a:ext cx="2857500" cy="1972733"/>
-          </a:xfrm>
-          <a:prstGeom prst="rect">
-            <a:avLst/>
-          </a:prstGeom>
-          <a:noFill/>
-          <a:extLst>
-            <a:ext uri="{909E8E84-426E-40DD-AFC4-6F175D3DCCD1}">
-              <a14:hiddenFill xmlns:a14="http://schemas.microsoft.com/office/drawing/2010/main">
-                <a:solidFill>
-                  <a:srgbClr val="FFFFFF"/>
-                </a:solidFill>
-              </a14:hiddenFill>
-            </a:ext>
-          </a:extLst>
-        </p:spPr>
-      </p:pic>
-      <p:pic>
-        <p:nvPicPr>
-          <p:cNvPr id="3088" name="Picture 16" descr="Природа, растения и животные Красноярского края">
-            <a:extLst>
-              <a:ext uri="{FF2B5EF4-FFF2-40B4-BE49-F238E27FC236}">
-                <a16:creationId xmlns:a16="http://schemas.microsoft.com/office/drawing/2014/main" id="{7D2F7C9F-D4C0-4BAA-A012-25B761837500}"/>
-              </a:ext>
-            </a:extLst>
-          </p:cNvPr>
-          <p:cNvPicPr>
-            <a:picLocks noChangeAspect="1" noChangeArrowheads="1"/>
-          </p:cNvPicPr>
-          <p:nvPr/>
-        </p:nvPicPr>
-        <p:blipFill>
-          <a:blip r:embed="rId8">
-            <a:extLst>
-              <a:ext uri="{28A0092B-C50C-407E-A947-70E740481C1C}">
-                <a14:useLocalDpi xmlns:a14="http://schemas.microsoft.com/office/drawing/2010/main" val="0"/>
-              </a:ext>
-            </a:extLst>
-          </a:blip>
-          <a:srcRect/>
-          <a:stretch>
-            <a:fillRect/>
-          </a:stretch>
-        </p:blipFill>
-        <p:spPr bwMode="auto">
-          <a:xfrm>
-            <a:off x="10170055" y="4365358"/>
-            <a:ext cx="1970616" cy="2463800"/>
-          </a:xfrm>
-          <a:prstGeom prst="rect">
-            <a:avLst/>
-          </a:prstGeom>
-          <a:noFill/>
-          <a:extLst>
-            <a:ext uri="{909E8E84-426E-40DD-AFC4-6F175D3DCCD1}">
-              <a14:hiddenFill xmlns:a14="http://schemas.microsoft.com/office/drawing/2010/main">
-                <a:solidFill>
-                  <a:srgbClr val="FFFFFF"/>
-                </a:solidFill>
-              </a14:hiddenFill>
-            </a:ext>
-          </a:extLst>
-        </p:spPr>
-      </p:pic>
-      <p:pic>
-        <p:nvPicPr>
-          <p:cNvPr id="3090" name="Picture 18" descr="Природные экскурсии в Красноярске">
-            <a:extLst>
-              <a:ext uri="{FF2B5EF4-FFF2-40B4-BE49-F238E27FC236}">
-                <a16:creationId xmlns:a16="http://schemas.microsoft.com/office/drawing/2014/main" id="{0450E908-3AD6-4416-8902-CE271C839EEC}"/>
-              </a:ext>
-            </a:extLst>
-          </p:cNvPr>
-          <p:cNvPicPr>
-            <a:picLocks noChangeAspect="1" noChangeArrowheads="1"/>
-          </p:cNvPicPr>
-          <p:nvPr/>
-        </p:nvPicPr>
-        <p:blipFill>
-          <a:blip r:embed="rId9">
-            <a:extLst>
-              <a:ext uri="{28A0092B-C50C-407E-A947-70E740481C1C}">
-                <a14:useLocalDpi xmlns:a14="http://schemas.microsoft.com/office/drawing/2010/main" val="0"/>
-              </a:ext>
-            </a:extLst>
-          </a:blip>
-          <a:srcRect/>
-          <a:stretch>
-            <a:fillRect/>
-          </a:stretch>
-        </p:blipFill>
-        <p:spPr bwMode="auto">
-          <a:xfrm>
-            <a:off x="5129742" y="1943368"/>
-            <a:ext cx="5040312" cy="2941900"/>
-          </a:xfrm>
-          <a:prstGeom prst="rect">
-            <a:avLst/>
-          </a:prstGeom>
-          <a:noFill/>
-          <a:extLst>
-            <a:ext uri="{909E8E84-426E-40DD-AFC4-6F175D3DCCD1}">
-              <a14:hiddenFill xmlns:a14="http://schemas.microsoft.com/office/drawing/2010/main">
-                <a:solidFill>
-                  <a:srgbClr val="FFFFFF"/>
-                </a:solidFill>
-              </a14:hiddenFill>
-            </a:ext>
-          </a:extLst>
-        </p:spPr>
-      </p:pic>
-      <p:pic>
-        <p:nvPicPr>
-          <p:cNvPr id="3092" name="Picture 20" descr="Красноярская ГЭС. Россия, Красноярский край, Дивногорск - «Красноярская ГЭС  - это то, ради чего можно поехать в Сибирь» | отзывы">
-            <a:extLst>
-              <a:ext uri="{FF2B5EF4-FFF2-40B4-BE49-F238E27FC236}">
-                <a16:creationId xmlns:a16="http://schemas.microsoft.com/office/drawing/2014/main" id="{8A2F673E-6CDF-4A3A-9EFF-D92A78166903}"/>
-              </a:ext>
-            </a:extLst>
-          </p:cNvPr>
-          <p:cNvPicPr>
-            <a:picLocks noChangeAspect="1" noChangeArrowheads="1"/>
-          </p:cNvPicPr>
-          <p:nvPr/>
-        </p:nvPicPr>
-        <p:blipFill>
-          <a:blip r:embed="rId10">
-            <a:extLst>
-              <a:ext uri="{28A0092B-C50C-407E-A947-70E740481C1C}">
-                <a14:useLocalDpi xmlns:a14="http://schemas.microsoft.com/office/drawing/2010/main" val="0"/>
-              </a:ext>
-            </a:extLst>
-          </a:blip>
-          <a:srcRect/>
-          <a:stretch>
-            <a:fillRect/>
-          </a:stretch>
-        </p:blipFill>
-        <p:spPr bwMode="auto">
-          <a:xfrm>
-            <a:off x="9778206" y="2082800"/>
-            <a:ext cx="2413794" cy="2267677"/>
-          </a:xfrm>
-          <a:prstGeom prst="rect">
-            <a:avLst/>
-          </a:prstGeom>
-          <a:noFill/>
-          <a:extLst>
-            <a:ext uri="{909E8E84-426E-40DD-AFC4-6F175D3DCCD1}">
-              <a14:hiddenFill xmlns:a14="http://schemas.microsoft.com/office/drawing/2010/main">
-                <a:solidFill>
-                  <a:srgbClr val="FFFFFF"/>
-                </a:solidFill>
-              </a14:hiddenFill>
-            </a:ext>
-          </a:extLst>
-        </p:spPr>
-      </p:pic>
-      <p:pic>
-        <p:nvPicPr>
-          <p:cNvPr id="3094" name="Picture 22" descr="25 лучших достопримечательностей Красноярского края - описание и фото">
-            <a:extLst>
-              <a:ext uri="{FF2B5EF4-FFF2-40B4-BE49-F238E27FC236}">
-                <a16:creationId xmlns:a16="http://schemas.microsoft.com/office/drawing/2014/main" id="{8158D020-00A7-4A8C-BDA8-E5CFD3E6FEAA}"/>
-              </a:ext>
-            </a:extLst>
-          </p:cNvPr>
-          <p:cNvPicPr>
-            <a:picLocks noChangeAspect="1" noChangeArrowheads="1"/>
-          </p:cNvPicPr>
-          <p:nvPr/>
-        </p:nvPicPr>
-        <p:blipFill>
-          <a:blip r:embed="rId11">
-            <a:extLst>
-              <a:ext uri="{28A0092B-C50C-407E-A947-70E740481C1C}">
-                <a14:useLocalDpi xmlns:a14="http://schemas.microsoft.com/office/drawing/2010/main" val="0"/>
-              </a:ext>
-            </a:extLst>
-          </a:blip>
-          <a:srcRect/>
-          <a:stretch>
-            <a:fillRect/>
-          </a:stretch>
-        </p:blipFill>
-        <p:spPr bwMode="auto">
-          <a:xfrm>
-            <a:off x="0" y="1326621"/>
-            <a:ext cx="5129741" cy="2216945"/>
+            <a:off x="6790266" y="3293533"/>
+            <a:ext cx="4563534" cy="2883430"/>
           </a:xfrm>
           <a:prstGeom prst="rect">
             <a:avLst/>
@@ -4449,7 +4123,7 @@
     </p:spTree>
     <p:extLst>
       <p:ext uri="{BB962C8B-B14F-4D97-AF65-F5344CB8AC3E}">
-        <p14:creationId xmlns:p14="http://schemas.microsoft.com/office/powerpoint/2010/main" val="2366181987"/>
+        <p14:creationId xmlns:p14="http://schemas.microsoft.com/office/powerpoint/2010/main" val="2609346391"/>
       </p:ext>
     </p:extLst>
   </p:cSld>
@@ -4515,7 +4189,7 @@
           <p:cNvPr id="2" name="Заголовок 1">
             <a:extLst>
               <a:ext uri="{FF2B5EF4-FFF2-40B4-BE49-F238E27FC236}">
-                <a16:creationId xmlns:a16="http://schemas.microsoft.com/office/drawing/2014/main" id="{B5742D89-C202-4722-A504-C67624F341C6}"/>
+                <a16:creationId xmlns:a16="http://schemas.microsoft.com/office/drawing/2014/main" id="{AAE271CE-E0D1-4B6C-B4B6-FBB4F8B73E4B}"/>
               </a:ext>
             </a:extLst>
           </p:cNvPr>
@@ -4531,7 +4205,7 @@
           <a:bodyPr/>
           <a:lstStyle/>
           <a:p>
-            <a:endParaRPr lang="ru-RU" dirty="0"/>
+            <a:endParaRPr lang="ru-RU"/>
           </a:p>
         </p:txBody>
       </p:sp>
@@ -4540,7 +4214,7 @@
           <p:cNvPr id="3" name="Объект 2">
             <a:extLst>
               <a:ext uri="{FF2B5EF4-FFF2-40B4-BE49-F238E27FC236}">
-                <a16:creationId xmlns:a16="http://schemas.microsoft.com/office/drawing/2014/main" id="{C7BBAB67-6919-4178-A9C0-AE94F33B4F01}"/>
+                <a16:creationId xmlns:a16="http://schemas.microsoft.com/office/drawing/2014/main" id="{AEEE0B09-9CAD-4EFB-A2BC-F455974A4654}"/>
               </a:ext>
             </a:extLst>
           </p:cNvPr>
@@ -4553,50 +4227,35 @@
         </p:nvSpPr>
         <p:spPr>
           <a:xfrm>
-            <a:off x="838200" y="-76199"/>
-            <a:ext cx="10515600" cy="1202266"/>
+            <a:off x="838200" y="477577"/>
+            <a:ext cx="10515600" cy="2463799"/>
           </a:xfrm>
         </p:spPr>
         <p:txBody>
-          <a:bodyPr>
-            <a:normAutofit lnSpcReduction="10000"/>
-          </a:bodyPr>
+          <a:bodyPr/>
           <a:lstStyle/>
           <a:p>
             <a:r>
               <a:rPr lang="ru-RU" dirty="0"/>
-              <a:t>В Красноярском крае более 2 849 169 людей. в красноярском крае добывают </a:t>
-            </a:r>
-            <a:r>
-              <a:rPr lang="ru-RU" b="0" i="0" dirty="0">
-                <a:solidFill>
-                  <a:srgbClr val="040C28"/>
-                </a:solidFill>
-                <a:effectLst/>
-                <a:latin typeface="Google Sans"/>
-              </a:rPr>
-              <a:t>нефть, газ, железные руды, уголь, цветные и редкие металлы, нерудные минералы</a:t>
-            </a:r>
-            <a:r>
-              <a:rPr lang="ru-RU" b="1" i="0" dirty="0">
-                <a:solidFill>
-                  <a:srgbClr val="040C28"/>
-                </a:solidFill>
-                <a:effectLst/>
-                <a:latin typeface="Google Sans"/>
-              </a:rPr>
-              <a:t>.</a:t>
-            </a:r>
-            <a:endParaRPr lang="ru-RU" dirty="0"/>
+              <a:t>Красноярский край славится своими горами лесами и природой. В Красноярском краю очень много животных</a:t>
+            </a:r>
+            <a:r>
+              <a:rPr lang="en-US" dirty="0"/>
+              <a:t>,</a:t>
+            </a:r>
+            <a:r>
+              <a:rPr lang="ru-RU" dirty="0"/>
+              <a:t> из красной книги.</a:t>
+            </a:r>
           </a:p>
         </p:txBody>
       </p:sp>
       <p:pic>
         <p:nvPicPr>
-          <p:cNvPr id="2050" name="Picture 2" descr="Отзывы о «Шахта Ангидрит», Красноярский край, городской округ Норильск,  территория Рудник Ангидрит, 1 — Яндекс Карты">
-            <a:extLst>
-              <a:ext uri="{FF2B5EF4-FFF2-40B4-BE49-F238E27FC236}">
-                <a16:creationId xmlns:a16="http://schemas.microsoft.com/office/drawing/2014/main" id="{1DC9538E-F8BE-4EF0-8BD4-4750B14BE14A}"/>
+          <p:cNvPr id="3074" name="Picture 2" descr="Природа Красноярского края | Животный мир и природа Красноярского края">
+            <a:extLst>
+              <a:ext uri="{FF2B5EF4-FFF2-40B4-BE49-F238E27FC236}">
+                <a16:creationId xmlns:a16="http://schemas.microsoft.com/office/drawing/2014/main" id="{5620161B-7F4B-4160-8E0D-E249532879DD}"/>
               </a:ext>
             </a:extLst>
           </p:cNvPr>
@@ -4620,8 +4279,431 @@
         </p:blipFill>
         <p:spPr bwMode="auto">
           <a:xfrm>
-            <a:off x="0" y="914401"/>
-            <a:ext cx="12192000" cy="5943600"/>
+            <a:off x="-252412" y="5162550"/>
+            <a:ext cx="2695575" cy="1695450"/>
+          </a:xfrm>
+          <a:prstGeom prst="rect">
+            <a:avLst/>
+          </a:prstGeom>
+          <a:noFill/>
+          <a:extLst>
+            <a:ext uri="{909E8E84-426E-40DD-AFC4-6F175D3DCCD1}">
+              <a14:hiddenFill xmlns:a14="http://schemas.microsoft.com/office/drawing/2010/main">
+                <a:solidFill>
+                  <a:srgbClr val="FFFFFF"/>
+                </a:solidFill>
+              </a14:hiddenFill>
+            </a:ext>
+          </a:extLst>
+        </p:spPr>
+      </p:pic>
+      <p:pic>
+        <p:nvPicPr>
+          <p:cNvPr id="3078" name="Picture 6" descr="Достопримечательности Красноярского края: лучшие места с фото, отзывами,  ценами, названиями и описаниями">
+            <a:extLst>
+              <a:ext uri="{FF2B5EF4-FFF2-40B4-BE49-F238E27FC236}">
+                <a16:creationId xmlns:a16="http://schemas.microsoft.com/office/drawing/2014/main" id="{49043703-08C1-4731-9A48-B0E829C58BFE}"/>
+              </a:ext>
+            </a:extLst>
+          </p:cNvPr>
+          <p:cNvPicPr>
+            <a:picLocks noChangeAspect="1" noChangeArrowheads="1"/>
+          </p:cNvPicPr>
+          <p:nvPr/>
+        </p:nvPicPr>
+        <p:blipFill>
+          <a:blip r:embed="rId3">
+            <a:extLst>
+              <a:ext uri="{28A0092B-C50C-407E-A947-70E740481C1C}">
+                <a14:useLocalDpi xmlns:a14="http://schemas.microsoft.com/office/drawing/2010/main" val="0"/>
+              </a:ext>
+            </a:extLst>
+          </a:blip>
+          <a:srcRect/>
+          <a:stretch>
+            <a:fillRect/>
+          </a:stretch>
+        </p:blipFill>
+        <p:spPr bwMode="auto">
+          <a:xfrm>
+            <a:off x="5129742" y="4885267"/>
+            <a:ext cx="2353733" cy="1972733"/>
+          </a:xfrm>
+          <a:prstGeom prst="rect">
+            <a:avLst/>
+          </a:prstGeom>
+          <a:noFill/>
+          <a:extLst>
+            <a:ext uri="{909E8E84-426E-40DD-AFC4-6F175D3DCCD1}">
+              <a14:hiddenFill xmlns:a14="http://schemas.microsoft.com/office/drawing/2010/main">
+                <a:solidFill>
+                  <a:srgbClr val="FFFFFF"/>
+                </a:solidFill>
+              </a14:hiddenFill>
+            </a:ext>
+          </a:extLst>
+        </p:spPr>
+      </p:pic>
+      <p:pic>
+        <p:nvPicPr>
+          <p:cNvPr id="3080" name="Picture 8" descr="Видеоролик о природе Красноярского Края. - YouTube">
+            <a:extLst>
+              <a:ext uri="{FF2B5EF4-FFF2-40B4-BE49-F238E27FC236}">
+                <a16:creationId xmlns:a16="http://schemas.microsoft.com/office/drawing/2014/main" id="{ABC724A1-461C-442F-921B-C6BE34D3E5BD}"/>
+              </a:ext>
+            </a:extLst>
+          </p:cNvPr>
+          <p:cNvPicPr>
+            <a:picLocks noChangeAspect="1" noChangeArrowheads="1"/>
+          </p:cNvPicPr>
+          <p:nvPr/>
+        </p:nvPicPr>
+        <p:blipFill>
+          <a:blip r:embed="rId4">
+            <a:extLst>
+              <a:ext uri="{28A0092B-C50C-407E-A947-70E740481C1C}">
+                <a14:useLocalDpi xmlns:a14="http://schemas.microsoft.com/office/drawing/2010/main" val="0"/>
+              </a:ext>
+            </a:extLst>
+          </a:blip>
+          <a:srcRect/>
+          <a:stretch>
+            <a:fillRect/>
+          </a:stretch>
+        </p:blipFill>
+        <p:spPr bwMode="auto">
+          <a:xfrm>
+            <a:off x="2417499" y="5286642"/>
+            <a:ext cx="2857500" cy="1600200"/>
+          </a:xfrm>
+          <a:prstGeom prst="rect">
+            <a:avLst/>
+          </a:prstGeom>
+          <a:noFill/>
+          <a:extLst>
+            <a:ext uri="{909E8E84-426E-40DD-AFC4-6F175D3DCCD1}">
+              <a14:hiddenFill xmlns:a14="http://schemas.microsoft.com/office/drawing/2010/main">
+                <a:solidFill>
+                  <a:srgbClr val="FFFFFF"/>
+                </a:solidFill>
+              </a14:hiddenFill>
+            </a:ext>
+          </a:extLst>
+        </p:spPr>
+      </p:pic>
+      <p:pic>
+        <p:nvPicPr>
+          <p:cNvPr id="3082" name="Picture 10" descr="Более 4 500 работ на тему «красноярский край»: стоковые фото, картинки и  изображения royalty-free - iStock">
+            <a:extLst>
+              <a:ext uri="{FF2B5EF4-FFF2-40B4-BE49-F238E27FC236}">
+                <a16:creationId xmlns:a16="http://schemas.microsoft.com/office/drawing/2014/main" id="{7BC440B2-3D51-4411-9AC3-537C1D39437B}"/>
+              </a:ext>
+            </a:extLst>
+          </p:cNvPr>
+          <p:cNvPicPr>
+            <a:picLocks noChangeAspect="1" noChangeArrowheads="1"/>
+          </p:cNvPicPr>
+          <p:nvPr/>
+        </p:nvPicPr>
+        <p:blipFill>
+          <a:blip r:embed="rId5">
+            <a:extLst>
+              <a:ext uri="{28A0092B-C50C-407E-A947-70E740481C1C}">
+                <a14:useLocalDpi xmlns:a14="http://schemas.microsoft.com/office/drawing/2010/main" val="0"/>
+              </a:ext>
+            </a:extLst>
+          </a:blip>
+          <a:srcRect/>
+          <a:stretch>
+            <a:fillRect/>
+          </a:stretch>
+        </p:blipFill>
+        <p:spPr bwMode="auto">
+          <a:xfrm>
+            <a:off x="0" y="3429000"/>
+            <a:ext cx="2619375" cy="1743075"/>
+          </a:xfrm>
+          <a:prstGeom prst="rect">
+            <a:avLst/>
+          </a:prstGeom>
+          <a:noFill/>
+          <a:extLst>
+            <a:ext uri="{909E8E84-426E-40DD-AFC4-6F175D3DCCD1}">
+              <a14:hiddenFill xmlns:a14="http://schemas.microsoft.com/office/drawing/2010/main">
+                <a:solidFill>
+                  <a:srgbClr val="FFFFFF"/>
+                </a:solidFill>
+              </a14:hiddenFill>
+            </a:ext>
+          </a:extLst>
+        </p:spPr>
+      </p:pic>
+      <p:pic>
+        <p:nvPicPr>
+          <p:cNvPr id="3084" name="Picture 12" descr="Природа Красноярского края | Животный мир и природа Красноярского края">
+            <a:extLst>
+              <a:ext uri="{FF2B5EF4-FFF2-40B4-BE49-F238E27FC236}">
+                <a16:creationId xmlns:a16="http://schemas.microsoft.com/office/drawing/2014/main" id="{6C2A7023-31E2-4C0E-BE52-DDBA98EBC644}"/>
+              </a:ext>
+            </a:extLst>
+          </p:cNvPr>
+          <p:cNvPicPr>
+            <a:picLocks noChangeAspect="1" noChangeArrowheads="1"/>
+          </p:cNvPicPr>
+          <p:nvPr/>
+        </p:nvPicPr>
+        <p:blipFill>
+          <a:blip r:embed="rId6">
+            <a:extLst>
+              <a:ext uri="{28A0092B-C50C-407E-A947-70E740481C1C}">
+                <a14:useLocalDpi xmlns:a14="http://schemas.microsoft.com/office/drawing/2010/main" val="0"/>
+              </a:ext>
+            </a:extLst>
+          </a:blip>
+          <a:srcRect/>
+          <a:stretch>
+            <a:fillRect/>
+          </a:stretch>
+        </p:blipFill>
+        <p:spPr bwMode="auto">
+          <a:xfrm>
+            <a:off x="2562225" y="3543567"/>
+            <a:ext cx="2619375" cy="1743075"/>
+          </a:xfrm>
+          <a:prstGeom prst="rect">
+            <a:avLst/>
+          </a:prstGeom>
+          <a:noFill/>
+          <a:extLst>
+            <a:ext uri="{909E8E84-426E-40DD-AFC4-6F175D3DCCD1}">
+              <a14:hiddenFill xmlns:a14="http://schemas.microsoft.com/office/drawing/2010/main">
+                <a:solidFill>
+                  <a:srgbClr val="FFFFFF"/>
+                </a:solidFill>
+              </a14:hiddenFill>
+            </a:ext>
+          </a:extLst>
+        </p:spPr>
+      </p:pic>
+      <p:pic>
+        <p:nvPicPr>
+          <p:cNvPr id="3086" name="Picture 14" descr="Красноярская природа - фото">
+            <a:extLst>
+              <a:ext uri="{FF2B5EF4-FFF2-40B4-BE49-F238E27FC236}">
+                <a16:creationId xmlns:a16="http://schemas.microsoft.com/office/drawing/2014/main" id="{EB37645C-5079-4C05-8224-600B8C06634D}"/>
+              </a:ext>
+            </a:extLst>
+          </p:cNvPr>
+          <p:cNvPicPr>
+            <a:picLocks noChangeAspect="1" noChangeArrowheads="1"/>
+          </p:cNvPicPr>
+          <p:nvPr/>
+        </p:nvPicPr>
+        <p:blipFill>
+          <a:blip r:embed="rId7">
+            <a:extLst>
+              <a:ext uri="{28A0092B-C50C-407E-A947-70E740481C1C}">
+                <a14:useLocalDpi xmlns:a14="http://schemas.microsoft.com/office/drawing/2010/main" val="0"/>
+              </a:ext>
+            </a:extLst>
+          </a:blip>
+          <a:srcRect/>
+          <a:stretch>
+            <a:fillRect/>
+          </a:stretch>
+        </p:blipFill>
+        <p:spPr bwMode="auto">
+          <a:xfrm>
+            <a:off x="7483475" y="4856425"/>
+            <a:ext cx="2857500" cy="1972733"/>
+          </a:xfrm>
+          <a:prstGeom prst="rect">
+            <a:avLst/>
+          </a:prstGeom>
+          <a:noFill/>
+          <a:extLst>
+            <a:ext uri="{909E8E84-426E-40DD-AFC4-6F175D3DCCD1}">
+              <a14:hiddenFill xmlns:a14="http://schemas.microsoft.com/office/drawing/2010/main">
+                <a:solidFill>
+                  <a:srgbClr val="FFFFFF"/>
+                </a:solidFill>
+              </a14:hiddenFill>
+            </a:ext>
+          </a:extLst>
+        </p:spPr>
+      </p:pic>
+      <p:pic>
+        <p:nvPicPr>
+          <p:cNvPr id="3088" name="Picture 16" descr="Природа, растения и животные Красноярского края">
+            <a:extLst>
+              <a:ext uri="{FF2B5EF4-FFF2-40B4-BE49-F238E27FC236}">
+                <a16:creationId xmlns:a16="http://schemas.microsoft.com/office/drawing/2014/main" id="{7D2F7C9F-D4C0-4BAA-A012-25B761837500}"/>
+              </a:ext>
+            </a:extLst>
+          </p:cNvPr>
+          <p:cNvPicPr>
+            <a:picLocks noChangeAspect="1" noChangeArrowheads="1"/>
+          </p:cNvPicPr>
+          <p:nvPr/>
+        </p:nvPicPr>
+        <p:blipFill>
+          <a:blip r:embed="rId8">
+            <a:extLst>
+              <a:ext uri="{28A0092B-C50C-407E-A947-70E740481C1C}">
+                <a14:useLocalDpi xmlns:a14="http://schemas.microsoft.com/office/drawing/2010/main" val="0"/>
+              </a:ext>
+            </a:extLst>
+          </a:blip>
+          <a:srcRect/>
+          <a:stretch>
+            <a:fillRect/>
+          </a:stretch>
+        </p:blipFill>
+        <p:spPr bwMode="auto">
+          <a:xfrm>
+            <a:off x="10170055" y="4365358"/>
+            <a:ext cx="1970616" cy="2463800"/>
+          </a:xfrm>
+          <a:prstGeom prst="rect">
+            <a:avLst/>
+          </a:prstGeom>
+          <a:noFill/>
+          <a:extLst>
+            <a:ext uri="{909E8E84-426E-40DD-AFC4-6F175D3DCCD1}">
+              <a14:hiddenFill xmlns:a14="http://schemas.microsoft.com/office/drawing/2010/main">
+                <a:solidFill>
+                  <a:srgbClr val="FFFFFF"/>
+                </a:solidFill>
+              </a14:hiddenFill>
+            </a:ext>
+          </a:extLst>
+        </p:spPr>
+      </p:pic>
+      <p:pic>
+        <p:nvPicPr>
+          <p:cNvPr id="3090" name="Picture 18" descr="Природные экскурсии в Красноярске">
+            <a:extLst>
+              <a:ext uri="{FF2B5EF4-FFF2-40B4-BE49-F238E27FC236}">
+                <a16:creationId xmlns:a16="http://schemas.microsoft.com/office/drawing/2014/main" id="{0450E908-3AD6-4416-8902-CE271C839EEC}"/>
+              </a:ext>
+            </a:extLst>
+          </p:cNvPr>
+          <p:cNvPicPr>
+            <a:picLocks noChangeAspect="1" noChangeArrowheads="1"/>
+          </p:cNvPicPr>
+          <p:nvPr/>
+        </p:nvPicPr>
+        <p:blipFill>
+          <a:blip r:embed="rId9">
+            <a:extLst>
+              <a:ext uri="{28A0092B-C50C-407E-A947-70E740481C1C}">
+                <a14:useLocalDpi xmlns:a14="http://schemas.microsoft.com/office/drawing/2010/main" val="0"/>
+              </a:ext>
+            </a:extLst>
+          </a:blip>
+          <a:srcRect/>
+          <a:stretch>
+            <a:fillRect/>
+          </a:stretch>
+        </p:blipFill>
+        <p:spPr bwMode="auto">
+          <a:xfrm>
+            <a:off x="5129742" y="1943368"/>
+            <a:ext cx="5040312" cy="2941900"/>
+          </a:xfrm>
+          <a:prstGeom prst="rect">
+            <a:avLst/>
+          </a:prstGeom>
+          <a:noFill/>
+          <a:extLst>
+            <a:ext uri="{909E8E84-426E-40DD-AFC4-6F175D3DCCD1}">
+              <a14:hiddenFill xmlns:a14="http://schemas.microsoft.com/office/drawing/2010/main">
+                <a:solidFill>
+                  <a:srgbClr val="FFFFFF"/>
+                </a:solidFill>
+              </a14:hiddenFill>
+            </a:ext>
+          </a:extLst>
+        </p:spPr>
+      </p:pic>
+      <p:pic>
+        <p:nvPicPr>
+          <p:cNvPr id="3092" name="Picture 20" descr="Красноярская ГЭС. Россия, Красноярский край, Дивногорск - «Красноярская ГЭС  - это то, ради чего можно поехать в Сибирь» | отзывы">
+            <a:extLst>
+              <a:ext uri="{FF2B5EF4-FFF2-40B4-BE49-F238E27FC236}">
+                <a16:creationId xmlns:a16="http://schemas.microsoft.com/office/drawing/2014/main" id="{8A2F673E-6CDF-4A3A-9EFF-D92A78166903}"/>
+              </a:ext>
+            </a:extLst>
+          </p:cNvPr>
+          <p:cNvPicPr>
+            <a:picLocks noChangeAspect="1" noChangeArrowheads="1"/>
+          </p:cNvPicPr>
+          <p:nvPr/>
+        </p:nvPicPr>
+        <p:blipFill>
+          <a:blip r:embed="rId10">
+            <a:extLst>
+              <a:ext uri="{28A0092B-C50C-407E-A947-70E740481C1C}">
+                <a14:useLocalDpi xmlns:a14="http://schemas.microsoft.com/office/drawing/2010/main" val="0"/>
+              </a:ext>
+            </a:extLst>
+          </a:blip>
+          <a:srcRect/>
+          <a:stretch>
+            <a:fillRect/>
+          </a:stretch>
+        </p:blipFill>
+        <p:spPr bwMode="auto">
+          <a:xfrm>
+            <a:off x="9778206" y="2082800"/>
+            <a:ext cx="2413794" cy="2267677"/>
+          </a:xfrm>
+          <a:prstGeom prst="rect">
+            <a:avLst/>
+          </a:prstGeom>
+          <a:noFill/>
+          <a:extLst>
+            <a:ext uri="{909E8E84-426E-40DD-AFC4-6F175D3DCCD1}">
+              <a14:hiddenFill xmlns:a14="http://schemas.microsoft.com/office/drawing/2010/main">
+                <a:solidFill>
+                  <a:srgbClr val="FFFFFF"/>
+                </a:solidFill>
+              </a14:hiddenFill>
+            </a:ext>
+          </a:extLst>
+        </p:spPr>
+      </p:pic>
+      <p:pic>
+        <p:nvPicPr>
+          <p:cNvPr id="3094" name="Picture 22" descr="25 лучших достопримечательностей Красноярского края - описание и фото">
+            <a:extLst>
+              <a:ext uri="{FF2B5EF4-FFF2-40B4-BE49-F238E27FC236}">
+                <a16:creationId xmlns:a16="http://schemas.microsoft.com/office/drawing/2014/main" id="{8158D020-00A7-4A8C-BDA8-E5CFD3E6FEAA}"/>
+              </a:ext>
+            </a:extLst>
+          </p:cNvPr>
+          <p:cNvPicPr>
+            <a:picLocks noChangeAspect="1" noChangeArrowheads="1"/>
+          </p:cNvPicPr>
+          <p:nvPr/>
+        </p:nvPicPr>
+        <p:blipFill>
+          <a:blip r:embed="rId11">
+            <a:extLst>
+              <a:ext uri="{28A0092B-C50C-407E-A947-70E740481C1C}">
+                <a14:useLocalDpi xmlns:a14="http://schemas.microsoft.com/office/drawing/2010/main" val="0"/>
+              </a:ext>
+            </a:extLst>
+          </a:blip>
+          <a:srcRect/>
+          <a:stretch>
+            <a:fillRect/>
+          </a:stretch>
+        </p:blipFill>
+        <p:spPr bwMode="auto">
+          <a:xfrm>
+            <a:off x="0" y="1326621"/>
+            <a:ext cx="5129741" cy="2216945"/>
           </a:xfrm>
           <a:prstGeom prst="rect">
             <a:avLst/>
@@ -4641,7 +4723,7 @@
     </p:spTree>
     <p:extLst>
       <p:ext uri="{BB962C8B-B14F-4D97-AF65-F5344CB8AC3E}">
-        <p14:creationId xmlns:p14="http://schemas.microsoft.com/office/powerpoint/2010/main" val="584143720"/>
+        <p14:creationId xmlns:p14="http://schemas.microsoft.com/office/powerpoint/2010/main" val="2366181987"/>
       </p:ext>
     </p:extLst>
   </p:cSld>
@@ -4707,7 +4789,7 @@
           <p:cNvPr id="2" name="Заголовок 1">
             <a:extLst>
               <a:ext uri="{FF2B5EF4-FFF2-40B4-BE49-F238E27FC236}">
-                <a16:creationId xmlns:a16="http://schemas.microsoft.com/office/drawing/2014/main" id="{AC58F0A7-D23A-4767-90D7-B5214D6042CC}"/>
+                <a16:creationId xmlns:a16="http://schemas.microsoft.com/office/drawing/2014/main" id="{B5742D89-C202-4722-A504-C67624F341C6}"/>
               </a:ext>
             </a:extLst>
           </p:cNvPr>
@@ -4723,7 +4805,7 @@
           <a:bodyPr/>
           <a:lstStyle/>
           <a:p>
-            <a:endParaRPr lang="ru-RU"/>
+            <a:endParaRPr lang="ru-RU" dirty="0"/>
           </a:p>
         </p:txBody>
       </p:sp>
@@ -4732,7 +4814,7 @@
           <p:cNvPr id="3" name="Объект 2">
             <a:extLst>
               <a:ext uri="{FF2B5EF4-FFF2-40B4-BE49-F238E27FC236}">
-                <a16:creationId xmlns:a16="http://schemas.microsoft.com/office/drawing/2014/main" id="{BF32AB9D-2F35-4AE0-889F-790F6558D596}"/>
+                <a16:creationId xmlns:a16="http://schemas.microsoft.com/office/drawing/2014/main" id="{C7BBAB67-6919-4178-A9C0-AE94F33B4F01}"/>
               </a:ext>
             </a:extLst>
           </p:cNvPr>
@@ -4745,23 +4827,39 @@
         </p:nvSpPr>
         <p:spPr>
           <a:xfrm>
-            <a:off x="838200" y="365125"/>
-            <a:ext cx="10515600" cy="3216275"/>
+            <a:off x="838200" y="-76199"/>
+            <a:ext cx="10515600" cy="1202266"/>
           </a:xfrm>
         </p:spPr>
         <p:txBody>
-          <a:bodyPr/>
-          <a:lstStyle/>
-          <a:p>
+          <a:bodyPr>
+            <a:normAutofit lnSpcReduction="10000"/>
+          </a:bodyPr>
+          <a:lstStyle/>
+          <a:p>
+            <a:r>
+              <a:rPr lang="ru-RU" dirty="0"/>
+              <a:t>В Красноярском крае более 2 849 169 людей. в красноярском крае добывают </a:t>
+            </a:r>
             <a:r>
               <a:rPr lang="ru-RU" b="0" i="0" dirty="0">
                 <a:solidFill>
-                  <a:srgbClr val="474747"/>
+                  <a:srgbClr val="040C28"/>
                 </a:solidFill>
                 <a:effectLst/>
                 <a:latin typeface="Google Sans"/>
               </a:rPr>
-              <a:t>В Красноярском крае сосредоточено около 40 % кондиционных угольных ресурсов России и почти 25 % разведанных запасов. Общие запасы угля в регионе составляют более 4 трлн тонн. Они сосредоточены в угольных бассейнах. </a:t>
+              <a:t>нефть, газ, железные руды, уголь, цветные и редкие металлы, нерудные минералы</a:t>
+            </a:r>
+            <a:r>
+              <a:rPr lang="ru-RU" b="1" i="0" dirty="0">
+                <a:solidFill>
+                  <a:srgbClr val="040C28"/>
+                </a:solidFill>
+                <a:effectLst/>
+                <a:latin typeface="Google Sans"/>
+              </a:rPr>
+              <a:t>.</a:t>
             </a:r>
             <a:endParaRPr lang="ru-RU" dirty="0"/>
           </a:p>
@@ -4769,10 +4867,10 @@
       </p:sp>
       <p:pic>
         <p:nvPicPr>
-          <p:cNvPr id="4098" name="Picture 2" descr="Натуральные камни и минералы Красноярский край, каталог месторождений  полезных ископаемых">
-            <a:extLst>
-              <a:ext uri="{FF2B5EF4-FFF2-40B4-BE49-F238E27FC236}">
-                <a16:creationId xmlns:a16="http://schemas.microsoft.com/office/drawing/2014/main" id="{E22EAF57-6D01-4592-B9CD-E0DAE6481CD1}"/>
+          <p:cNvPr id="2050" name="Picture 2" descr="Отзывы о «Шахта Ангидрит», Красноярский край, городской округ Норильск,  территория Рудник Ангидрит, 1 — Яндекс Карты">
+            <a:extLst>
+              <a:ext uri="{FF2B5EF4-FFF2-40B4-BE49-F238E27FC236}">
+                <a16:creationId xmlns:a16="http://schemas.microsoft.com/office/drawing/2014/main" id="{1DC9538E-F8BE-4EF0-8BD4-4750B14BE14A}"/>
               </a:ext>
             </a:extLst>
           </p:cNvPr>
@@ -4796,337 +4894,8 @@
         </p:blipFill>
         <p:spPr bwMode="auto">
           <a:xfrm>
-            <a:off x="0" y="4391025"/>
-            <a:ext cx="1847850" cy="2466975"/>
-          </a:xfrm>
-          <a:prstGeom prst="rect">
-            <a:avLst/>
-          </a:prstGeom>
-          <a:noFill/>
-          <a:extLst>
-            <a:ext uri="{909E8E84-426E-40DD-AFC4-6F175D3DCCD1}">
-              <a14:hiddenFill xmlns:a14="http://schemas.microsoft.com/office/drawing/2010/main">
-                <a:solidFill>
-                  <a:srgbClr val="FFFFFF"/>
-                </a:solidFill>
-              </a14:hiddenFill>
-            </a:ext>
-          </a:extLst>
-        </p:spPr>
-      </p:pic>
-      <p:pic>
-        <p:nvPicPr>
-          <p:cNvPr id="4100" name="Picture 4" descr="Минералы и месторождения Красноярского края / Месторождения полезных  ископаемых">
-            <a:extLst>
-              <a:ext uri="{FF2B5EF4-FFF2-40B4-BE49-F238E27FC236}">
-                <a16:creationId xmlns:a16="http://schemas.microsoft.com/office/drawing/2014/main" id="{9590F54E-606D-43DF-8119-AB3718698D1E}"/>
-              </a:ext>
-            </a:extLst>
-          </p:cNvPr>
-          <p:cNvPicPr>
-            <a:picLocks noChangeAspect="1" noChangeArrowheads="1"/>
-          </p:cNvPicPr>
-          <p:nvPr/>
-        </p:nvPicPr>
-        <p:blipFill>
-          <a:blip r:embed="rId3">
-            <a:extLst>
-              <a:ext uri="{28A0092B-C50C-407E-A947-70E740481C1C}">
-                <a14:useLocalDpi xmlns:a14="http://schemas.microsoft.com/office/drawing/2010/main" val="0"/>
-              </a:ext>
-            </a:extLst>
-          </a:blip>
-          <a:srcRect/>
-          <a:stretch>
-            <a:fillRect/>
-          </a:stretch>
-        </p:blipFill>
-        <p:spPr bwMode="auto">
-          <a:xfrm>
-            <a:off x="1712383" y="4613275"/>
-            <a:ext cx="2143125" cy="2143125"/>
-          </a:xfrm>
-          <a:prstGeom prst="rect">
-            <a:avLst/>
-          </a:prstGeom>
-          <a:noFill/>
-          <a:extLst>
-            <a:ext uri="{909E8E84-426E-40DD-AFC4-6F175D3DCCD1}">
-              <a14:hiddenFill xmlns:a14="http://schemas.microsoft.com/office/drawing/2010/main">
-                <a:solidFill>
-                  <a:srgbClr val="FFFFFF"/>
-                </a:solidFill>
-              </a14:hiddenFill>
-            </a:ext>
-          </a:extLst>
-        </p:spPr>
-      </p:pic>
-      <p:pic>
-        <p:nvPicPr>
-          <p:cNvPr id="4102" name="Picture 6" descr="Красноярский край, Центральная Сибирь, Россия. Описание, минералы,  фотографии. Минералы и месторождения. webmineral.ru">
-            <a:extLst>
-              <a:ext uri="{FF2B5EF4-FFF2-40B4-BE49-F238E27FC236}">
-                <a16:creationId xmlns:a16="http://schemas.microsoft.com/office/drawing/2014/main" id="{00744952-7264-44F2-8409-6F2D2815C721}"/>
-              </a:ext>
-            </a:extLst>
-          </p:cNvPr>
-          <p:cNvPicPr>
-            <a:picLocks noChangeAspect="1" noChangeArrowheads="1"/>
-          </p:cNvPicPr>
-          <p:nvPr/>
-        </p:nvPicPr>
-        <p:blipFill>
-          <a:blip r:embed="rId4">
-            <a:extLst>
-              <a:ext uri="{28A0092B-C50C-407E-A947-70E740481C1C}">
-                <a14:useLocalDpi xmlns:a14="http://schemas.microsoft.com/office/drawing/2010/main" val="0"/>
-              </a:ext>
-            </a:extLst>
-          </a:blip>
-          <a:srcRect/>
-          <a:stretch>
-            <a:fillRect/>
-          </a:stretch>
-        </p:blipFill>
-        <p:spPr bwMode="auto">
-          <a:xfrm>
-            <a:off x="3855508" y="4940300"/>
-            <a:ext cx="2457450" cy="1866900"/>
-          </a:xfrm>
-          <a:prstGeom prst="rect">
-            <a:avLst/>
-          </a:prstGeom>
-          <a:noFill/>
-          <a:extLst>
-            <a:ext uri="{909E8E84-426E-40DD-AFC4-6F175D3DCCD1}">
-              <a14:hiddenFill xmlns:a14="http://schemas.microsoft.com/office/drawing/2010/main">
-                <a:solidFill>
-                  <a:srgbClr val="FFFFFF"/>
-                </a:solidFill>
-              </a14:hiddenFill>
-            </a:ext>
-          </a:extLst>
-        </p:spPr>
-      </p:pic>
-      <p:pic>
-        <p:nvPicPr>
-          <p:cNvPr id="4104" name="Picture 8" descr="Натуральные камни и минералы Красноярский край, каталог месторождений  полезных ископаемых">
-            <a:extLst>
-              <a:ext uri="{FF2B5EF4-FFF2-40B4-BE49-F238E27FC236}">
-                <a16:creationId xmlns:a16="http://schemas.microsoft.com/office/drawing/2014/main" id="{2C492879-265A-41BF-9F25-2B6FF9BDCF9D}"/>
-              </a:ext>
-            </a:extLst>
-          </p:cNvPr>
-          <p:cNvPicPr>
-            <a:picLocks noChangeAspect="1" noChangeArrowheads="1"/>
-          </p:cNvPicPr>
-          <p:nvPr/>
-        </p:nvPicPr>
-        <p:blipFill>
-          <a:blip r:embed="rId5">
-            <a:extLst>
-              <a:ext uri="{28A0092B-C50C-407E-A947-70E740481C1C}">
-                <a14:useLocalDpi xmlns:a14="http://schemas.microsoft.com/office/drawing/2010/main" val="0"/>
-              </a:ext>
-            </a:extLst>
-          </a:blip>
-          <a:srcRect/>
-          <a:stretch>
-            <a:fillRect/>
-          </a:stretch>
-        </p:blipFill>
-        <p:spPr bwMode="auto">
-          <a:xfrm>
-            <a:off x="6312958" y="5002213"/>
-            <a:ext cx="2466975" cy="1847850"/>
-          </a:xfrm>
-          <a:prstGeom prst="rect">
-            <a:avLst/>
-          </a:prstGeom>
-          <a:noFill/>
-          <a:extLst>
-            <a:ext uri="{909E8E84-426E-40DD-AFC4-6F175D3DCCD1}">
-              <a14:hiddenFill xmlns:a14="http://schemas.microsoft.com/office/drawing/2010/main">
-                <a:solidFill>
-                  <a:srgbClr val="FFFFFF"/>
-                </a:solidFill>
-              </a14:hiddenFill>
-            </a:ext>
-          </a:extLst>
-        </p:spPr>
-      </p:pic>
-      <p:pic>
-        <p:nvPicPr>
-          <p:cNvPr id="4106" name="Picture 10" descr="В Норильске на шахте «Глубокая» вскрыта первая залежь богатой руды | АиФ  Красноярск">
-            <a:extLst>
-              <a:ext uri="{FF2B5EF4-FFF2-40B4-BE49-F238E27FC236}">
-                <a16:creationId xmlns:a16="http://schemas.microsoft.com/office/drawing/2014/main" id="{75901630-7788-42BF-B7A9-51A3993E015E}"/>
-              </a:ext>
-            </a:extLst>
-          </p:cNvPr>
-          <p:cNvPicPr>
-            <a:picLocks noChangeAspect="1" noChangeArrowheads="1"/>
-          </p:cNvPicPr>
-          <p:nvPr/>
-        </p:nvPicPr>
-        <p:blipFill>
-          <a:blip r:embed="rId6">
-            <a:extLst>
-              <a:ext uri="{28A0092B-C50C-407E-A947-70E740481C1C}">
-                <a14:useLocalDpi xmlns:a14="http://schemas.microsoft.com/office/drawing/2010/main" val="0"/>
-              </a:ext>
-            </a:extLst>
-          </a:blip>
-          <a:srcRect/>
-          <a:stretch>
-            <a:fillRect/>
-          </a:stretch>
-        </p:blipFill>
-        <p:spPr bwMode="auto">
-          <a:xfrm>
-            <a:off x="8788400" y="4207933"/>
-            <a:ext cx="3439583" cy="2650067"/>
-          </a:xfrm>
-          <a:prstGeom prst="rect">
-            <a:avLst/>
-          </a:prstGeom>
-          <a:noFill/>
-          <a:extLst>
-            <a:ext uri="{909E8E84-426E-40DD-AFC4-6F175D3DCCD1}">
-              <a14:hiddenFill xmlns:a14="http://schemas.microsoft.com/office/drawing/2010/main">
-                <a:solidFill>
-                  <a:srgbClr val="FFFFFF"/>
-                </a:solidFill>
-              </a14:hiddenFill>
-            </a:ext>
-          </a:extLst>
-        </p:spPr>
-      </p:pic>
-      <p:pic>
-        <p:nvPicPr>
-          <p:cNvPr id="4108" name="Picture 12" descr="В рудах красноярского месторождения нашли новый источник ниобия» в блоге  «Добыча и разведка полезных ископаемых» - Сделано у нас">
-            <a:extLst>
-              <a:ext uri="{FF2B5EF4-FFF2-40B4-BE49-F238E27FC236}">
-                <a16:creationId xmlns:a16="http://schemas.microsoft.com/office/drawing/2014/main" id="{41E5F123-3B61-4447-9349-88BDB1183E5B}"/>
-              </a:ext>
-            </a:extLst>
-          </p:cNvPr>
-          <p:cNvPicPr>
-            <a:picLocks noChangeAspect="1" noChangeArrowheads="1"/>
-          </p:cNvPicPr>
-          <p:nvPr/>
-        </p:nvPicPr>
-        <p:blipFill>
-          <a:blip r:embed="rId7">
-            <a:extLst>
-              <a:ext uri="{28A0092B-C50C-407E-A947-70E740481C1C}">
-                <a14:useLocalDpi xmlns:a14="http://schemas.microsoft.com/office/drawing/2010/main" val="0"/>
-              </a:ext>
-            </a:extLst>
-          </a:blip>
-          <a:srcRect/>
-          <a:stretch>
-            <a:fillRect/>
-          </a:stretch>
-        </p:blipFill>
-        <p:spPr bwMode="auto">
-          <a:xfrm>
-            <a:off x="6096001" y="1825891"/>
-            <a:ext cx="2692400" cy="3218655"/>
-          </a:xfrm>
-          <a:prstGeom prst="rect">
-            <a:avLst/>
-          </a:prstGeom>
-          <a:noFill/>
-          <a:extLst>
-            <a:ext uri="{909E8E84-426E-40DD-AFC4-6F175D3DCCD1}">
-              <a14:hiddenFill xmlns:a14="http://schemas.microsoft.com/office/drawing/2010/main">
-                <a:solidFill>
-                  <a:srgbClr val="FFFFFF"/>
-                </a:solidFill>
-              </a14:hiddenFill>
-            </a:ext>
-          </a:extLst>
-        </p:spPr>
-      </p:pic>
-      <p:pic>
-        <p:nvPicPr>
-          <p:cNvPr id="4110" name="Picture 14" descr="В Красноярске определили состав &quot;флюидов золота&quot; - Российские Инновации РИА  Новости, 26.03.2025">
-            <a:extLst>
-              <a:ext uri="{FF2B5EF4-FFF2-40B4-BE49-F238E27FC236}">
-                <a16:creationId xmlns:a16="http://schemas.microsoft.com/office/drawing/2014/main" id="{B6259E10-CEF3-467A-90AE-ADA62D55C06F}"/>
-              </a:ext>
-            </a:extLst>
-          </p:cNvPr>
-          <p:cNvPicPr>
-            <a:picLocks noChangeAspect="1" noChangeArrowheads="1"/>
-          </p:cNvPicPr>
-          <p:nvPr/>
-        </p:nvPicPr>
-        <p:blipFill>
-          <a:blip r:embed="rId8">
-            <a:extLst>
-              <a:ext uri="{28A0092B-C50C-407E-A947-70E740481C1C}">
-                <a14:useLocalDpi xmlns:a14="http://schemas.microsoft.com/office/drawing/2010/main" val="0"/>
-              </a:ext>
-            </a:extLst>
-          </a:blip>
-          <a:srcRect/>
-          <a:stretch>
-            <a:fillRect/>
-          </a:stretch>
-        </p:blipFill>
-        <p:spPr bwMode="auto">
-          <a:xfrm>
-            <a:off x="-19051" y="1912938"/>
-            <a:ext cx="4555067" cy="2632074"/>
-          </a:xfrm>
-          <a:prstGeom prst="rect">
-            <a:avLst/>
-          </a:prstGeom>
-          <a:noFill/>
-          <a:extLst>
-            <a:ext uri="{909E8E84-426E-40DD-AFC4-6F175D3DCCD1}">
-              <a14:hiddenFill xmlns:a14="http://schemas.microsoft.com/office/drawing/2010/main">
-                <a:solidFill>
-                  <a:srgbClr val="FFFFFF"/>
-                </a:solidFill>
-              </a14:hiddenFill>
-            </a:ext>
-          </a:extLst>
-        </p:spPr>
-      </p:pic>
-      <p:pic>
-        <p:nvPicPr>
-          <p:cNvPr id="4112" name="Picture 16" descr="Музей геологии Центральной Сибири - Новости">
-            <a:extLst>
-              <a:ext uri="{FF2B5EF4-FFF2-40B4-BE49-F238E27FC236}">
-                <a16:creationId xmlns:a16="http://schemas.microsoft.com/office/drawing/2014/main" id="{ADF592E7-CAD4-40F9-A3AD-855E9B840696}"/>
-              </a:ext>
-            </a:extLst>
-          </p:cNvPr>
-          <p:cNvPicPr>
-            <a:picLocks noChangeAspect="1" noChangeArrowheads="1"/>
-          </p:cNvPicPr>
-          <p:nvPr/>
-        </p:nvPicPr>
-        <p:blipFill>
-          <a:blip r:embed="rId9">
-            <a:extLst>
-              <a:ext uri="{28A0092B-C50C-407E-A947-70E740481C1C}">
-                <a14:useLocalDpi xmlns:a14="http://schemas.microsoft.com/office/drawing/2010/main" val="0"/>
-              </a:ext>
-            </a:extLst>
-          </a:blip>
-          <a:srcRect/>
-          <a:stretch>
-            <a:fillRect/>
-          </a:stretch>
-        </p:blipFill>
-        <p:spPr bwMode="auto">
-          <a:xfrm>
-            <a:off x="8779932" y="1752602"/>
-            <a:ext cx="3412067" cy="2455332"/>
+            <a:off x="0" y="914401"/>
+            <a:ext cx="12192000" cy="5943600"/>
           </a:xfrm>
           <a:prstGeom prst="rect">
             <a:avLst/>
@@ -5146,7 +4915,7 @@
     </p:spTree>
     <p:extLst>
       <p:ext uri="{BB962C8B-B14F-4D97-AF65-F5344CB8AC3E}">
-        <p14:creationId xmlns:p14="http://schemas.microsoft.com/office/powerpoint/2010/main" val="2615249686"/>
+        <p14:creationId xmlns:p14="http://schemas.microsoft.com/office/powerpoint/2010/main" val="584143720"/>
       </p:ext>
     </p:extLst>
   </p:cSld>
@@ -5212,6 +4981,511 @@
           <p:cNvPr id="2" name="Заголовок 1">
             <a:extLst>
               <a:ext uri="{FF2B5EF4-FFF2-40B4-BE49-F238E27FC236}">
+                <a16:creationId xmlns:a16="http://schemas.microsoft.com/office/drawing/2014/main" id="{AC58F0A7-D23A-4767-90D7-B5214D6042CC}"/>
+              </a:ext>
+            </a:extLst>
+          </p:cNvPr>
+          <p:cNvSpPr>
+            <a:spLocks noGrp="1"/>
+          </p:cNvSpPr>
+          <p:nvPr>
+            <p:ph type="title"/>
+          </p:nvPr>
+        </p:nvSpPr>
+        <p:spPr/>
+        <p:txBody>
+          <a:bodyPr/>
+          <a:lstStyle/>
+          <a:p>
+            <a:endParaRPr lang="ru-RU"/>
+          </a:p>
+        </p:txBody>
+      </p:sp>
+      <p:sp>
+        <p:nvSpPr>
+          <p:cNvPr id="3" name="Объект 2">
+            <a:extLst>
+              <a:ext uri="{FF2B5EF4-FFF2-40B4-BE49-F238E27FC236}">
+                <a16:creationId xmlns:a16="http://schemas.microsoft.com/office/drawing/2014/main" id="{BF32AB9D-2F35-4AE0-889F-790F6558D596}"/>
+              </a:ext>
+            </a:extLst>
+          </p:cNvPr>
+          <p:cNvSpPr>
+            <a:spLocks noGrp="1"/>
+          </p:cNvSpPr>
+          <p:nvPr>
+            <p:ph idx="1"/>
+          </p:nvPr>
+        </p:nvSpPr>
+        <p:spPr>
+          <a:xfrm>
+            <a:off x="838200" y="365125"/>
+            <a:ext cx="10515600" cy="3216275"/>
+          </a:xfrm>
+        </p:spPr>
+        <p:txBody>
+          <a:bodyPr/>
+          <a:lstStyle/>
+          <a:p>
+            <a:r>
+              <a:rPr lang="ru-RU" b="0" i="0" dirty="0">
+                <a:solidFill>
+                  <a:srgbClr val="474747"/>
+                </a:solidFill>
+                <a:effectLst/>
+                <a:latin typeface="Google Sans"/>
+              </a:rPr>
+              <a:t>В Красноярском крае сосредоточено около 40 % кондиционных угольных ресурсов России и почти 25 % разведанных запасов. Общие запасы угля в регионе составляют более 4 трлн тонн. Они сосредоточены в угольных бассейнах. </a:t>
+            </a:r>
+            <a:endParaRPr lang="ru-RU" dirty="0"/>
+          </a:p>
+        </p:txBody>
+      </p:sp>
+      <p:pic>
+        <p:nvPicPr>
+          <p:cNvPr id="4098" name="Picture 2" descr="Натуральные камни и минералы Красноярский край, каталог месторождений  полезных ископаемых">
+            <a:extLst>
+              <a:ext uri="{FF2B5EF4-FFF2-40B4-BE49-F238E27FC236}">
+                <a16:creationId xmlns:a16="http://schemas.microsoft.com/office/drawing/2014/main" id="{E22EAF57-6D01-4592-B9CD-E0DAE6481CD1}"/>
+              </a:ext>
+            </a:extLst>
+          </p:cNvPr>
+          <p:cNvPicPr>
+            <a:picLocks noChangeAspect="1" noChangeArrowheads="1"/>
+          </p:cNvPicPr>
+          <p:nvPr/>
+        </p:nvPicPr>
+        <p:blipFill>
+          <a:blip r:embed="rId2">
+            <a:extLst>
+              <a:ext uri="{28A0092B-C50C-407E-A947-70E740481C1C}">
+                <a14:useLocalDpi xmlns:a14="http://schemas.microsoft.com/office/drawing/2010/main" val="0"/>
+              </a:ext>
+            </a:extLst>
+          </a:blip>
+          <a:srcRect/>
+          <a:stretch>
+            <a:fillRect/>
+          </a:stretch>
+        </p:blipFill>
+        <p:spPr bwMode="auto">
+          <a:xfrm>
+            <a:off x="0" y="4391025"/>
+            <a:ext cx="1847850" cy="2466975"/>
+          </a:xfrm>
+          <a:prstGeom prst="rect">
+            <a:avLst/>
+          </a:prstGeom>
+          <a:noFill/>
+          <a:extLst>
+            <a:ext uri="{909E8E84-426E-40DD-AFC4-6F175D3DCCD1}">
+              <a14:hiddenFill xmlns:a14="http://schemas.microsoft.com/office/drawing/2010/main">
+                <a:solidFill>
+                  <a:srgbClr val="FFFFFF"/>
+                </a:solidFill>
+              </a14:hiddenFill>
+            </a:ext>
+          </a:extLst>
+        </p:spPr>
+      </p:pic>
+      <p:pic>
+        <p:nvPicPr>
+          <p:cNvPr id="4100" name="Picture 4" descr="Минералы и месторождения Красноярского края / Месторождения полезных  ископаемых">
+            <a:extLst>
+              <a:ext uri="{FF2B5EF4-FFF2-40B4-BE49-F238E27FC236}">
+                <a16:creationId xmlns:a16="http://schemas.microsoft.com/office/drawing/2014/main" id="{9590F54E-606D-43DF-8119-AB3718698D1E}"/>
+              </a:ext>
+            </a:extLst>
+          </p:cNvPr>
+          <p:cNvPicPr>
+            <a:picLocks noChangeAspect="1" noChangeArrowheads="1"/>
+          </p:cNvPicPr>
+          <p:nvPr/>
+        </p:nvPicPr>
+        <p:blipFill>
+          <a:blip r:embed="rId3">
+            <a:extLst>
+              <a:ext uri="{28A0092B-C50C-407E-A947-70E740481C1C}">
+                <a14:useLocalDpi xmlns:a14="http://schemas.microsoft.com/office/drawing/2010/main" val="0"/>
+              </a:ext>
+            </a:extLst>
+          </a:blip>
+          <a:srcRect/>
+          <a:stretch>
+            <a:fillRect/>
+          </a:stretch>
+        </p:blipFill>
+        <p:spPr bwMode="auto">
+          <a:xfrm>
+            <a:off x="1712383" y="4613275"/>
+            <a:ext cx="2143125" cy="2143125"/>
+          </a:xfrm>
+          <a:prstGeom prst="rect">
+            <a:avLst/>
+          </a:prstGeom>
+          <a:noFill/>
+          <a:extLst>
+            <a:ext uri="{909E8E84-426E-40DD-AFC4-6F175D3DCCD1}">
+              <a14:hiddenFill xmlns:a14="http://schemas.microsoft.com/office/drawing/2010/main">
+                <a:solidFill>
+                  <a:srgbClr val="FFFFFF"/>
+                </a:solidFill>
+              </a14:hiddenFill>
+            </a:ext>
+          </a:extLst>
+        </p:spPr>
+      </p:pic>
+      <p:pic>
+        <p:nvPicPr>
+          <p:cNvPr id="4102" name="Picture 6" descr="Красноярский край, Центральная Сибирь, Россия. Описание, минералы,  фотографии. Минералы и месторождения. webmineral.ru">
+            <a:extLst>
+              <a:ext uri="{FF2B5EF4-FFF2-40B4-BE49-F238E27FC236}">
+                <a16:creationId xmlns:a16="http://schemas.microsoft.com/office/drawing/2014/main" id="{00744952-7264-44F2-8409-6F2D2815C721}"/>
+              </a:ext>
+            </a:extLst>
+          </p:cNvPr>
+          <p:cNvPicPr>
+            <a:picLocks noChangeAspect="1" noChangeArrowheads="1"/>
+          </p:cNvPicPr>
+          <p:nvPr/>
+        </p:nvPicPr>
+        <p:blipFill>
+          <a:blip r:embed="rId4">
+            <a:extLst>
+              <a:ext uri="{28A0092B-C50C-407E-A947-70E740481C1C}">
+                <a14:useLocalDpi xmlns:a14="http://schemas.microsoft.com/office/drawing/2010/main" val="0"/>
+              </a:ext>
+            </a:extLst>
+          </a:blip>
+          <a:srcRect/>
+          <a:stretch>
+            <a:fillRect/>
+          </a:stretch>
+        </p:blipFill>
+        <p:spPr bwMode="auto">
+          <a:xfrm>
+            <a:off x="3855508" y="4940300"/>
+            <a:ext cx="2457450" cy="1866900"/>
+          </a:xfrm>
+          <a:prstGeom prst="rect">
+            <a:avLst/>
+          </a:prstGeom>
+          <a:noFill/>
+          <a:extLst>
+            <a:ext uri="{909E8E84-426E-40DD-AFC4-6F175D3DCCD1}">
+              <a14:hiddenFill xmlns:a14="http://schemas.microsoft.com/office/drawing/2010/main">
+                <a:solidFill>
+                  <a:srgbClr val="FFFFFF"/>
+                </a:solidFill>
+              </a14:hiddenFill>
+            </a:ext>
+          </a:extLst>
+        </p:spPr>
+      </p:pic>
+      <p:pic>
+        <p:nvPicPr>
+          <p:cNvPr id="4104" name="Picture 8" descr="Натуральные камни и минералы Красноярский край, каталог месторождений  полезных ископаемых">
+            <a:extLst>
+              <a:ext uri="{FF2B5EF4-FFF2-40B4-BE49-F238E27FC236}">
+                <a16:creationId xmlns:a16="http://schemas.microsoft.com/office/drawing/2014/main" id="{2C492879-265A-41BF-9F25-2B6FF9BDCF9D}"/>
+              </a:ext>
+            </a:extLst>
+          </p:cNvPr>
+          <p:cNvPicPr>
+            <a:picLocks noChangeAspect="1" noChangeArrowheads="1"/>
+          </p:cNvPicPr>
+          <p:nvPr/>
+        </p:nvPicPr>
+        <p:blipFill>
+          <a:blip r:embed="rId5">
+            <a:extLst>
+              <a:ext uri="{28A0092B-C50C-407E-A947-70E740481C1C}">
+                <a14:useLocalDpi xmlns:a14="http://schemas.microsoft.com/office/drawing/2010/main" val="0"/>
+              </a:ext>
+            </a:extLst>
+          </a:blip>
+          <a:srcRect/>
+          <a:stretch>
+            <a:fillRect/>
+          </a:stretch>
+        </p:blipFill>
+        <p:spPr bwMode="auto">
+          <a:xfrm>
+            <a:off x="6312958" y="5002213"/>
+            <a:ext cx="2466975" cy="1847850"/>
+          </a:xfrm>
+          <a:prstGeom prst="rect">
+            <a:avLst/>
+          </a:prstGeom>
+          <a:noFill/>
+          <a:extLst>
+            <a:ext uri="{909E8E84-426E-40DD-AFC4-6F175D3DCCD1}">
+              <a14:hiddenFill xmlns:a14="http://schemas.microsoft.com/office/drawing/2010/main">
+                <a:solidFill>
+                  <a:srgbClr val="FFFFFF"/>
+                </a:solidFill>
+              </a14:hiddenFill>
+            </a:ext>
+          </a:extLst>
+        </p:spPr>
+      </p:pic>
+      <p:pic>
+        <p:nvPicPr>
+          <p:cNvPr id="4106" name="Picture 10" descr="В Норильске на шахте «Глубокая» вскрыта первая залежь богатой руды | АиФ  Красноярск">
+            <a:extLst>
+              <a:ext uri="{FF2B5EF4-FFF2-40B4-BE49-F238E27FC236}">
+                <a16:creationId xmlns:a16="http://schemas.microsoft.com/office/drawing/2014/main" id="{75901630-7788-42BF-B7A9-51A3993E015E}"/>
+              </a:ext>
+            </a:extLst>
+          </p:cNvPr>
+          <p:cNvPicPr>
+            <a:picLocks noChangeAspect="1" noChangeArrowheads="1"/>
+          </p:cNvPicPr>
+          <p:nvPr/>
+        </p:nvPicPr>
+        <p:blipFill>
+          <a:blip r:embed="rId6">
+            <a:extLst>
+              <a:ext uri="{28A0092B-C50C-407E-A947-70E740481C1C}">
+                <a14:useLocalDpi xmlns:a14="http://schemas.microsoft.com/office/drawing/2010/main" val="0"/>
+              </a:ext>
+            </a:extLst>
+          </a:blip>
+          <a:srcRect/>
+          <a:stretch>
+            <a:fillRect/>
+          </a:stretch>
+        </p:blipFill>
+        <p:spPr bwMode="auto">
+          <a:xfrm>
+            <a:off x="8788400" y="4207933"/>
+            <a:ext cx="3439583" cy="2650067"/>
+          </a:xfrm>
+          <a:prstGeom prst="rect">
+            <a:avLst/>
+          </a:prstGeom>
+          <a:noFill/>
+          <a:extLst>
+            <a:ext uri="{909E8E84-426E-40DD-AFC4-6F175D3DCCD1}">
+              <a14:hiddenFill xmlns:a14="http://schemas.microsoft.com/office/drawing/2010/main">
+                <a:solidFill>
+                  <a:srgbClr val="FFFFFF"/>
+                </a:solidFill>
+              </a14:hiddenFill>
+            </a:ext>
+          </a:extLst>
+        </p:spPr>
+      </p:pic>
+      <p:pic>
+        <p:nvPicPr>
+          <p:cNvPr id="4108" name="Picture 12" descr="В рудах красноярского месторождения нашли новый источник ниобия» в блоге  «Добыча и разведка полезных ископаемых» - Сделано у нас">
+            <a:extLst>
+              <a:ext uri="{FF2B5EF4-FFF2-40B4-BE49-F238E27FC236}">
+                <a16:creationId xmlns:a16="http://schemas.microsoft.com/office/drawing/2014/main" id="{41E5F123-3B61-4447-9349-88BDB1183E5B}"/>
+              </a:ext>
+            </a:extLst>
+          </p:cNvPr>
+          <p:cNvPicPr>
+            <a:picLocks noChangeAspect="1" noChangeArrowheads="1"/>
+          </p:cNvPicPr>
+          <p:nvPr/>
+        </p:nvPicPr>
+        <p:blipFill>
+          <a:blip r:embed="rId7">
+            <a:extLst>
+              <a:ext uri="{28A0092B-C50C-407E-A947-70E740481C1C}">
+                <a14:useLocalDpi xmlns:a14="http://schemas.microsoft.com/office/drawing/2010/main" val="0"/>
+              </a:ext>
+            </a:extLst>
+          </a:blip>
+          <a:srcRect/>
+          <a:stretch>
+            <a:fillRect/>
+          </a:stretch>
+        </p:blipFill>
+        <p:spPr bwMode="auto">
+          <a:xfrm>
+            <a:off x="6096001" y="1825891"/>
+            <a:ext cx="2692400" cy="3218655"/>
+          </a:xfrm>
+          <a:prstGeom prst="rect">
+            <a:avLst/>
+          </a:prstGeom>
+          <a:noFill/>
+          <a:extLst>
+            <a:ext uri="{909E8E84-426E-40DD-AFC4-6F175D3DCCD1}">
+              <a14:hiddenFill xmlns:a14="http://schemas.microsoft.com/office/drawing/2010/main">
+                <a:solidFill>
+                  <a:srgbClr val="FFFFFF"/>
+                </a:solidFill>
+              </a14:hiddenFill>
+            </a:ext>
+          </a:extLst>
+        </p:spPr>
+      </p:pic>
+      <p:pic>
+        <p:nvPicPr>
+          <p:cNvPr id="4110" name="Picture 14" descr="В Красноярске определили состав &quot;флюидов золота&quot; - Российские Инновации РИА  Новости, 26.03.2025">
+            <a:extLst>
+              <a:ext uri="{FF2B5EF4-FFF2-40B4-BE49-F238E27FC236}">
+                <a16:creationId xmlns:a16="http://schemas.microsoft.com/office/drawing/2014/main" id="{B6259E10-CEF3-467A-90AE-ADA62D55C06F}"/>
+              </a:ext>
+            </a:extLst>
+          </p:cNvPr>
+          <p:cNvPicPr>
+            <a:picLocks noChangeAspect="1" noChangeArrowheads="1"/>
+          </p:cNvPicPr>
+          <p:nvPr/>
+        </p:nvPicPr>
+        <p:blipFill>
+          <a:blip r:embed="rId8">
+            <a:extLst>
+              <a:ext uri="{28A0092B-C50C-407E-A947-70E740481C1C}">
+                <a14:useLocalDpi xmlns:a14="http://schemas.microsoft.com/office/drawing/2010/main" val="0"/>
+              </a:ext>
+            </a:extLst>
+          </a:blip>
+          <a:srcRect/>
+          <a:stretch>
+            <a:fillRect/>
+          </a:stretch>
+        </p:blipFill>
+        <p:spPr bwMode="auto">
+          <a:xfrm>
+            <a:off x="-19051" y="1912938"/>
+            <a:ext cx="4555067" cy="2632074"/>
+          </a:xfrm>
+          <a:prstGeom prst="rect">
+            <a:avLst/>
+          </a:prstGeom>
+          <a:noFill/>
+          <a:extLst>
+            <a:ext uri="{909E8E84-426E-40DD-AFC4-6F175D3DCCD1}">
+              <a14:hiddenFill xmlns:a14="http://schemas.microsoft.com/office/drawing/2010/main">
+                <a:solidFill>
+                  <a:srgbClr val="FFFFFF"/>
+                </a:solidFill>
+              </a14:hiddenFill>
+            </a:ext>
+          </a:extLst>
+        </p:spPr>
+      </p:pic>
+      <p:pic>
+        <p:nvPicPr>
+          <p:cNvPr id="4112" name="Picture 16" descr="Музей геологии Центральной Сибири - Новости">
+            <a:extLst>
+              <a:ext uri="{FF2B5EF4-FFF2-40B4-BE49-F238E27FC236}">
+                <a16:creationId xmlns:a16="http://schemas.microsoft.com/office/drawing/2014/main" id="{ADF592E7-CAD4-40F9-A3AD-855E9B840696}"/>
+              </a:ext>
+            </a:extLst>
+          </p:cNvPr>
+          <p:cNvPicPr>
+            <a:picLocks noChangeAspect="1" noChangeArrowheads="1"/>
+          </p:cNvPicPr>
+          <p:nvPr/>
+        </p:nvPicPr>
+        <p:blipFill>
+          <a:blip r:embed="rId9">
+            <a:extLst>
+              <a:ext uri="{28A0092B-C50C-407E-A947-70E740481C1C}">
+                <a14:useLocalDpi xmlns:a14="http://schemas.microsoft.com/office/drawing/2010/main" val="0"/>
+              </a:ext>
+            </a:extLst>
+          </a:blip>
+          <a:srcRect/>
+          <a:stretch>
+            <a:fillRect/>
+          </a:stretch>
+        </p:blipFill>
+        <p:spPr bwMode="auto">
+          <a:xfrm>
+            <a:off x="8779932" y="1752602"/>
+            <a:ext cx="3412067" cy="2455332"/>
+          </a:xfrm>
+          <a:prstGeom prst="rect">
+            <a:avLst/>
+          </a:prstGeom>
+          <a:noFill/>
+          <a:extLst>
+            <a:ext uri="{909E8E84-426E-40DD-AFC4-6F175D3DCCD1}">
+              <a14:hiddenFill xmlns:a14="http://schemas.microsoft.com/office/drawing/2010/main">
+                <a:solidFill>
+                  <a:srgbClr val="FFFFFF"/>
+                </a:solidFill>
+              </a14:hiddenFill>
+            </a:ext>
+          </a:extLst>
+        </p:spPr>
+      </p:pic>
+    </p:spTree>
+    <p:extLst>
+      <p:ext uri="{BB962C8B-B14F-4D97-AF65-F5344CB8AC3E}">
+        <p14:creationId xmlns:p14="http://schemas.microsoft.com/office/powerpoint/2010/main" val="2615249686"/>
+      </p:ext>
+    </p:extLst>
+  </p:cSld>
+  <p:clrMapOvr>
+    <a:masterClrMapping/>
+  </p:clrMapOvr>
+</p:sld>
+</file>
+
+<file path=ppt/slides/slide8.xml><?xml version="1.0" encoding="utf-8"?>
+<p:sld xmlns:a="http://schemas.openxmlformats.org/drawingml/2006/main" xmlns:r="http://schemas.openxmlformats.org/officeDocument/2006/relationships" xmlns:p="http://schemas.openxmlformats.org/presentationml/2006/main">
+  <p:cSld>
+    <p:bg>
+      <p:bgPr>
+        <a:gradFill>
+          <a:gsLst>
+            <a:gs pos="0">
+              <a:schemeClr val="accent1">
+                <a:lumMod val="5000"/>
+                <a:lumOff val="95000"/>
+              </a:schemeClr>
+            </a:gs>
+            <a:gs pos="74000">
+              <a:schemeClr val="accent1">
+                <a:lumMod val="45000"/>
+                <a:lumOff val="55000"/>
+              </a:schemeClr>
+            </a:gs>
+            <a:gs pos="83000">
+              <a:schemeClr val="accent1">
+                <a:lumMod val="45000"/>
+                <a:lumOff val="55000"/>
+              </a:schemeClr>
+            </a:gs>
+            <a:gs pos="100000">
+              <a:schemeClr val="accent1">
+                <a:lumMod val="30000"/>
+                <a:lumOff val="70000"/>
+              </a:schemeClr>
+            </a:gs>
+          </a:gsLst>
+          <a:lin ang="5400000" scaled="1"/>
+        </a:gradFill>
+        <a:effectLst/>
+      </p:bgPr>
+    </p:bg>
+    <p:spTree>
+      <p:nvGrpSpPr>
+        <p:cNvPr id="1" name=""/>
+        <p:cNvGrpSpPr/>
+        <p:nvPr/>
+      </p:nvGrpSpPr>
+      <p:grpSpPr>
+        <a:xfrm>
+          <a:off x="0" y="0"/>
+          <a:ext cx="0" cy="0"/>
+          <a:chOff x="0" y="0"/>
+          <a:chExt cx="0" cy="0"/>
+        </a:xfrm>
+      </p:grpSpPr>
+      <p:sp>
+        <p:nvSpPr>
+          <p:cNvPr id="2" name="Заголовок 1">
+            <a:extLst>
+              <a:ext uri="{FF2B5EF4-FFF2-40B4-BE49-F238E27FC236}">
                 <a16:creationId xmlns:a16="http://schemas.microsoft.com/office/drawing/2014/main" id="{174C9F49-41EE-4DFC-9B9F-5138BB337FE5}"/>
               </a:ext>
             </a:extLst>
@@ -5343,7 +5617,7 @@
 </p:sld>
 </file>
 
-<file path=ppt/slides/slide8.xml><?xml version="1.0" encoding="utf-8"?>
+<file path=ppt/slides/slide9.xml><?xml version="1.0" encoding="utf-8"?>
 <p:sld xmlns:a="http://schemas.openxmlformats.org/drawingml/2006/main" xmlns:r="http://schemas.openxmlformats.org/officeDocument/2006/relationships" xmlns:p="http://schemas.openxmlformats.org/presentationml/2006/main">
   <p:cSld>
     <p:bg>
